--- a/Learning Graph Rewiring Project PPT.pptx
+++ b/Learning Graph Rewiring Project PPT.pptx
@@ -262,6 +262,11 @@
       </a:defRPr>
     </a:lvl9pPr>
   </p:defaultTextStyle>
+  <p:extLst>
+    <p:ext uri="{EFAFB233-063F-42B5-8137-9DF3F51BA10A}">
+      <p15:sldGuideLst xmlns:p15="http://schemas.microsoft.com/office/powerpoint/2012/main"/>
+    </p:ext>
+  </p:extLst>
 </p:presentation>
 </file>
 
@@ -22239,12 +22244,20 @@
                 <a:solidFill>
                   <a:srgbClr val="FFFFFF"/>
                 </a:solidFill>
+              </a:rPr>
+              <a:t>A</a:t>
+            </a:r>
+            <a:r>
+              <a:rPr lang="en-US" sz="4800" b="1" dirty="0">
+                <a:solidFill>
+                  <a:srgbClr val="FFFFFF"/>
+                </a:solidFill>
                 <a:latin typeface="Calibri"/>
                 <a:ea typeface="Calibri"/>
                 <a:cs typeface="Calibri"/>
                 <a:sym typeface="Calibri"/>
               </a:rPr>
-              <a:t>Link Prediction</a:t>
+              <a:t>ttention weights</a:t>
             </a:r>
             <a:endParaRPr lang="he-IL" b="1" dirty="0">
               <a:solidFill>
@@ -22254,6 +22267,275 @@
               <a:ea typeface="Calibri"/>
               <a:cs typeface="Calibri"/>
               <a:sym typeface="Calibri"/>
+            </a:endParaRPr>
+          </a:p>
+        </p:txBody>
+      </p:sp>
+      <p:sp>
+        <p:nvSpPr>
+          <p:cNvPr id="3" name="TextBox 2">
+            <a:extLst>
+              <a:ext uri="{FF2B5EF4-FFF2-40B4-BE49-F238E27FC236}">
+                <a16:creationId xmlns:a16="http://schemas.microsoft.com/office/drawing/2014/main" id="{0BD71EFB-B932-89F6-6789-BA65E11F5FE0}"/>
+              </a:ext>
+            </a:extLst>
+          </p:cNvPr>
+          <p:cNvSpPr txBox="1"/>
+          <p:nvPr/>
+        </p:nvSpPr>
+        <p:spPr>
+          <a:xfrm>
+            <a:off x="301841" y="2325950"/>
+            <a:ext cx="11515020" cy="4185761"/>
+          </a:xfrm>
+          <a:prstGeom prst="rect">
+            <a:avLst/>
+          </a:prstGeom>
+          <a:noFill/>
+        </p:spPr>
+        <p:txBody>
+          <a:bodyPr wrap="square">
+            <a:spAutoFit/>
+          </a:bodyPr>
+          <a:lstStyle/>
+          <a:p>
+            <a:pPr rtl="0">
+              <a:spcBef>
+                <a:spcPts val="0"/>
+              </a:spcBef>
+              <a:spcAft>
+                <a:spcPts val="0"/>
+              </a:spcAft>
+            </a:pPr>
+            <a:r>
+              <a:rPr lang="en-US" b="1" i="1" u="none" strike="noStrike" dirty="0">
+                <a:solidFill>
+                  <a:srgbClr val="000000"/>
+                </a:solidFill>
+                <a:effectLst/>
+                <a:latin typeface="+mn-lt"/>
+              </a:rPr>
+              <a:t>Method I - One-shot Rewiring</a:t>
+            </a:r>
+            <a:endParaRPr lang="en-US" b="0" dirty="0">
+              <a:effectLst/>
+              <a:latin typeface="+mn-lt"/>
+            </a:endParaRPr>
+          </a:p>
+          <a:p>
+            <a:pPr rtl="0">
+              <a:spcBef>
+                <a:spcPts val="0"/>
+              </a:spcBef>
+              <a:spcAft>
+                <a:spcPts val="0"/>
+              </a:spcAft>
+            </a:pPr>
+            <a:r>
+              <a:rPr lang="en-US" b="0" i="0" u="none" strike="noStrike" dirty="0">
+                <a:solidFill>
+                  <a:srgbClr val="000000"/>
+                </a:solidFill>
+                <a:effectLst/>
+                <a:latin typeface="+mn-lt"/>
+              </a:rPr>
+              <a:t>In this method we try to mitigate over-squashing by pruning edges with low attention scores as well as allow message passing between distant nodes by adding edges with high attention scores.</a:t>
+            </a:r>
+            <a:endParaRPr lang="en-US" b="0" dirty="0">
+              <a:effectLst/>
+              <a:latin typeface="+mn-lt"/>
+            </a:endParaRPr>
+          </a:p>
+          <a:p>
+            <a:pPr rtl="0">
+              <a:spcBef>
+                <a:spcPts val="0"/>
+              </a:spcBef>
+              <a:spcAft>
+                <a:spcPts val="0"/>
+              </a:spcAft>
+            </a:pPr>
+            <a:r>
+              <a:rPr lang="en-US" b="0" i="0" u="none" strike="noStrike" dirty="0">
+                <a:solidFill>
+                  <a:srgbClr val="000000"/>
+                </a:solidFill>
+                <a:effectLst/>
+                <a:latin typeface="+mn-lt"/>
+              </a:rPr>
+              <a:t>We trained a multi-headed two-layer graph neural network using its original edges on a specific task and then used its attention scores to prune and add edges (we averaged the scores over the attention heads to get a single score for each edge) and using the new edges we retrained the model from scratch.</a:t>
+            </a:r>
+            <a:endParaRPr lang="en-US" b="0" dirty="0">
+              <a:effectLst/>
+              <a:latin typeface="+mn-lt"/>
+            </a:endParaRPr>
+          </a:p>
+          <a:p>
+            <a:pPr rtl="0">
+              <a:spcBef>
+                <a:spcPts val="0"/>
+              </a:spcBef>
+              <a:spcAft>
+                <a:spcPts val="0"/>
+              </a:spcAft>
+            </a:pPr>
+            <a:r>
+              <a:rPr lang="en-US" b="0" i="0" u="none" strike="noStrike" dirty="0">
+                <a:solidFill>
+                  <a:srgbClr val="000000"/>
+                </a:solidFill>
+                <a:effectLst/>
+                <a:latin typeface="+mn-lt"/>
+              </a:rPr>
+              <a:t>Our pruning is done by defining the percentage of the edges we wish to remove and then removing the edges with the lowest scores until we reach our goal.</a:t>
+            </a:r>
+            <a:br>
+              <a:rPr lang="en-US" b="0" i="0" u="none" strike="noStrike" dirty="0">
+                <a:solidFill>
+                  <a:srgbClr val="000000"/>
+                </a:solidFill>
+                <a:effectLst/>
+                <a:latin typeface="+mn-lt"/>
+              </a:rPr>
+            </a:br>
+            <a:r>
+              <a:rPr lang="en-US" b="0" i="0" u="none" strike="noStrike" dirty="0">
+                <a:solidFill>
+                  <a:srgbClr val="000000"/>
+                </a:solidFill>
+                <a:effectLst/>
+                <a:latin typeface="+mn-lt"/>
+              </a:rPr>
+              <a:t>For edge addition we tried two methods, the first is predefining an amount of edges to add and then add the edges with the highest scores until we reach our goal, In our second method we added the single highest scored edge for each node.</a:t>
+            </a:r>
+            <a:endParaRPr lang="en-US" b="0" dirty="0">
+              <a:effectLst/>
+              <a:latin typeface="+mn-lt"/>
+            </a:endParaRPr>
+          </a:p>
+          <a:p>
+            <a:pPr rtl="0">
+              <a:spcBef>
+                <a:spcPts val="0"/>
+              </a:spcBef>
+              <a:spcAft>
+                <a:spcPts val="0"/>
+              </a:spcAft>
+            </a:pPr>
+            <a:r>
+              <a:rPr lang="en-US" b="0" i="0" u="none" strike="noStrike" dirty="0">
+                <a:solidFill>
+                  <a:srgbClr val="000000"/>
+                </a:solidFill>
+                <a:effectLst/>
+                <a:latin typeface="+mn-lt"/>
+              </a:rPr>
+              <a:t>We did the same rewiring experiment to both the first attention layer and the second layer together using each layer's attention scores, as well as each of the layers separately.</a:t>
+            </a:r>
+            <a:endParaRPr lang="en-US" b="0" dirty="0">
+              <a:effectLst/>
+              <a:latin typeface="+mn-lt"/>
+            </a:endParaRPr>
+          </a:p>
+          <a:p>
+            <a:pPr rtl="0">
+              <a:spcBef>
+                <a:spcPts val="0"/>
+              </a:spcBef>
+              <a:spcAft>
+                <a:spcPts val="0"/>
+              </a:spcAft>
+            </a:pPr>
+            <a:r>
+              <a:rPr lang="en-US" b="1" i="1" u="none" strike="noStrike" dirty="0">
+                <a:solidFill>
+                  <a:srgbClr val="000000"/>
+                </a:solidFill>
+                <a:effectLst/>
+                <a:latin typeface="+mn-lt"/>
+              </a:rPr>
+              <a:t>Method II - Iterative Rewiring</a:t>
+            </a:r>
+            <a:endParaRPr lang="en-US" b="0" dirty="0">
+              <a:effectLst/>
+              <a:latin typeface="+mn-lt"/>
+            </a:endParaRPr>
+          </a:p>
+          <a:p>
+            <a:pPr rtl="0">
+              <a:spcBef>
+                <a:spcPts val="0"/>
+              </a:spcBef>
+              <a:spcAft>
+                <a:spcPts val="0"/>
+              </a:spcAft>
+            </a:pPr>
+            <a:r>
+              <a:rPr lang="en-US" b="0" i="0" u="none" strike="noStrike" dirty="0">
+                <a:solidFill>
+                  <a:srgbClr val="000000"/>
+                </a:solidFill>
+                <a:effectLst/>
+                <a:latin typeface="+mn-lt"/>
+              </a:rPr>
+              <a:t>In this method we implemented iterative edge pruning and addition.</a:t>
+            </a:r>
+            <a:endParaRPr lang="en-US" b="0" dirty="0">
+              <a:effectLst/>
+              <a:latin typeface="+mn-lt"/>
+            </a:endParaRPr>
+          </a:p>
+          <a:p>
+            <a:r>
+              <a:rPr lang="en-US" b="0" i="0" u="none" strike="noStrike" dirty="0">
+                <a:solidFill>
+                  <a:srgbClr val="000000"/>
+                </a:solidFill>
+                <a:effectLst/>
+                <a:latin typeface="+mn-lt"/>
+              </a:rPr>
+              <a:t>In each epoch we prune a small portion of the edges from the previous epoch and add a small portion of new edges according to the edges attention scores.</a:t>
+            </a:r>
+            <a:br>
+              <a:rPr lang="en-US" b="0" i="0" u="none" strike="noStrike" dirty="0">
+                <a:solidFill>
+                  <a:srgbClr val="000000"/>
+                </a:solidFill>
+                <a:effectLst/>
+                <a:latin typeface="+mn-lt"/>
+              </a:rPr>
+            </a:br>
+            <a:r>
+              <a:rPr lang="en-US" b="0" i="0" u="none" strike="noStrike" dirty="0">
+                <a:solidFill>
+                  <a:srgbClr val="000000"/>
+                </a:solidFill>
+                <a:effectLst/>
+                <a:latin typeface="+mn-lt"/>
+              </a:rPr>
+              <a:t>We do this for each layer separately (different graph connectivity for each layer).</a:t>
+            </a:r>
+            <a:br>
+              <a:rPr lang="en-US" b="0" i="0" u="none" strike="noStrike" dirty="0">
+                <a:solidFill>
+                  <a:srgbClr val="000000"/>
+                </a:solidFill>
+                <a:effectLst/>
+                <a:latin typeface="+mn-lt"/>
+              </a:rPr>
+            </a:br>
+            <a:r>
+              <a:rPr lang="en-US" b="0" i="0" u="none" strike="noStrike" dirty="0">
+                <a:solidFill>
+                  <a:srgbClr val="000000"/>
+                </a:solidFill>
+                <a:effectLst/>
+                <a:latin typeface="+mn-lt"/>
+              </a:rPr>
+              <a:t>We enforce that the number of edges we remove at each epoch is bigger than the number of edges added, therefore the more epochs the algorithm runs the less total edges remain in the graphs.</a:t>
+            </a:r>
+            <a:endParaRPr lang="de-DE" dirty="0">
+              <a:latin typeface="+mn-lt"/>
             </a:endParaRPr>
           </a:p>
         </p:txBody>
@@ -23695,6 +23977,53 @@
           <a:chExt cx="0" cy="0"/>
         </a:xfrm>
       </p:grpSpPr>
+      <p:pic>
+        <p:nvPicPr>
+          <p:cNvPr id="1029" name="Picture 5">
+            <a:extLst>
+              <a:ext uri="{FF2B5EF4-FFF2-40B4-BE49-F238E27FC236}">
+                <a16:creationId xmlns:a16="http://schemas.microsoft.com/office/drawing/2014/main" id="{BDC82979-B1D3-A4B1-9F7E-5B3FA4CE7ABF}"/>
+              </a:ext>
+            </a:extLst>
+          </p:cNvPr>
+          <p:cNvPicPr>
+            <a:picLocks noChangeAspect="1" noChangeArrowheads="1"/>
+          </p:cNvPicPr>
+          <p:nvPr/>
+        </p:nvPicPr>
+        <p:blipFill>
+          <a:blip r:embed="rId3">
+            <a:extLst>
+              <a:ext uri="{28A0092B-C50C-407E-A947-70E740481C1C}">
+                <a14:useLocalDpi xmlns:a14="http://schemas.microsoft.com/office/drawing/2010/main" val="0"/>
+              </a:ext>
+            </a:extLst>
+          </a:blip>
+          <a:srcRect/>
+          <a:stretch>
+            <a:fillRect/>
+          </a:stretch>
+        </p:blipFill>
+        <p:spPr bwMode="auto">
+          <a:xfrm>
+            <a:off x="8679261" y="2765093"/>
+            <a:ext cx="3795193" cy="2839001"/>
+          </a:xfrm>
+          <a:prstGeom prst="rect">
+            <a:avLst/>
+          </a:prstGeom>
+          <a:noFill/>
+          <a:extLst>
+            <a:ext uri="{909E8E84-426E-40DD-AFC4-6F175D3DCCD1}">
+              <a14:hiddenFill xmlns:a14="http://schemas.microsoft.com/office/drawing/2010/main">
+                <a:solidFill>
+                  <a:srgbClr val="FFFFFF"/>
+                </a:solidFill>
+              </a14:hiddenFill>
+            </a:ext>
+          </a:extLst>
+        </p:spPr>
+      </p:pic>
       <p:sp>
         <p:nvSpPr>
           <p:cNvPr id="170" name="Google Shape;170;p20"/>
@@ -23843,12 +24172,20 @@
                 <a:solidFill>
                   <a:srgbClr val="FFFFFF"/>
                 </a:solidFill>
+              </a:rPr>
+              <a:t>A</a:t>
+            </a:r>
+            <a:r>
+              <a:rPr lang="en-US" sz="4800" b="1" dirty="0">
+                <a:solidFill>
+                  <a:srgbClr val="FFFFFF"/>
+                </a:solidFill>
                 <a:latin typeface="Calibri"/>
                 <a:ea typeface="Calibri"/>
                 <a:cs typeface="Calibri"/>
                 <a:sym typeface="Calibri"/>
               </a:rPr>
-              <a:t>Link Prediction</a:t>
+              <a:t>ttention weights</a:t>
             </a:r>
             <a:endParaRPr lang="he-IL" b="1" dirty="0">
               <a:solidFill>
@@ -23859,6 +24196,3677 @@
               <a:cs typeface="Calibri"/>
               <a:sym typeface="Calibri"/>
             </a:endParaRPr>
+          </a:p>
+        </p:txBody>
+      </p:sp>
+      <p:sp>
+        <p:nvSpPr>
+          <p:cNvPr id="3" name="TextBox 2">
+            <a:extLst>
+              <a:ext uri="{FF2B5EF4-FFF2-40B4-BE49-F238E27FC236}">
+                <a16:creationId xmlns:a16="http://schemas.microsoft.com/office/drawing/2014/main" id="{F8DAE3A8-065B-81B8-C0BF-289C500CF9D4}"/>
+              </a:ext>
+            </a:extLst>
+          </p:cNvPr>
+          <p:cNvSpPr txBox="1"/>
+          <p:nvPr/>
+        </p:nvSpPr>
+        <p:spPr>
+          <a:xfrm>
+            <a:off x="0" y="2259036"/>
+            <a:ext cx="3728621" cy="2677656"/>
+          </a:xfrm>
+          <a:prstGeom prst="rect">
+            <a:avLst/>
+          </a:prstGeom>
+          <a:noFill/>
+        </p:spPr>
+        <p:txBody>
+          <a:bodyPr wrap="square">
+            <a:spAutoFit/>
+          </a:bodyPr>
+          <a:lstStyle/>
+          <a:p>
+            <a:pPr rtl="0">
+              <a:spcBef>
+                <a:spcPts val="0"/>
+              </a:spcBef>
+              <a:spcAft>
+                <a:spcPts val="0"/>
+              </a:spcAft>
+            </a:pPr>
+            <a:r>
+              <a:rPr lang="en-US" b="0" i="0" u="none" strike="noStrike" dirty="0">
+                <a:solidFill>
+                  <a:srgbClr val="000000"/>
+                </a:solidFill>
+                <a:effectLst/>
+                <a:latin typeface="+mn-lt"/>
+              </a:rPr>
+              <a:t>We ran the following three tests for each layer separately and both layers together.</a:t>
+            </a:r>
+          </a:p>
+          <a:p>
+            <a:pPr rtl="0">
+              <a:spcBef>
+                <a:spcPts val="0"/>
+              </a:spcBef>
+              <a:spcAft>
+                <a:spcPts val="0"/>
+              </a:spcAft>
+            </a:pPr>
+            <a:endParaRPr lang="en-US" b="0" dirty="0">
+              <a:effectLst/>
+              <a:latin typeface="+mn-lt"/>
+            </a:endParaRPr>
+          </a:p>
+          <a:p>
+            <a:pPr rtl="0">
+              <a:spcBef>
+                <a:spcPts val="0"/>
+              </a:spcBef>
+              <a:spcAft>
+                <a:spcPts val="0"/>
+              </a:spcAft>
+            </a:pPr>
+            <a:r>
+              <a:rPr lang="en-US" b="0" i="0" u="none" strike="noStrike" dirty="0">
+                <a:solidFill>
+                  <a:srgbClr val="000000"/>
+                </a:solidFill>
+                <a:effectLst/>
+                <a:latin typeface="+mn-lt"/>
+              </a:rPr>
+              <a:t>1.Only prune</a:t>
+            </a:r>
+            <a:endParaRPr lang="en-US" b="0" dirty="0">
+              <a:effectLst/>
+              <a:latin typeface="+mn-lt"/>
+            </a:endParaRPr>
+          </a:p>
+          <a:p>
+            <a:pPr rtl="0">
+              <a:spcBef>
+                <a:spcPts val="0"/>
+              </a:spcBef>
+              <a:spcAft>
+                <a:spcPts val="0"/>
+              </a:spcAft>
+            </a:pPr>
+            <a:r>
+              <a:rPr lang="en-US" b="0" i="0" u="none" strike="noStrike" dirty="0">
+                <a:solidFill>
+                  <a:srgbClr val="000000"/>
+                </a:solidFill>
+                <a:effectLst/>
+                <a:latin typeface="+mn-lt"/>
+              </a:rPr>
+              <a:t>2.Only Add (percentage/each node)</a:t>
+            </a:r>
+            <a:endParaRPr lang="en-US" b="0" dirty="0">
+              <a:effectLst/>
+              <a:latin typeface="+mn-lt"/>
+            </a:endParaRPr>
+          </a:p>
+          <a:p>
+            <a:pPr rtl="0">
+              <a:spcBef>
+                <a:spcPts val="0"/>
+              </a:spcBef>
+              <a:spcAft>
+                <a:spcPts val="0"/>
+              </a:spcAft>
+            </a:pPr>
+            <a:r>
+              <a:rPr lang="en-US" b="0" i="0" u="none" strike="noStrike" dirty="0">
+                <a:solidFill>
+                  <a:srgbClr val="000000"/>
+                </a:solidFill>
+                <a:effectLst/>
+                <a:latin typeface="+mn-lt"/>
+              </a:rPr>
+              <a:t>3.Prune and Add</a:t>
+            </a:r>
+          </a:p>
+          <a:p>
+            <a:pPr rtl="0">
+              <a:spcBef>
+                <a:spcPts val="0"/>
+              </a:spcBef>
+              <a:spcAft>
+                <a:spcPts val="0"/>
+              </a:spcAft>
+            </a:pPr>
+            <a:endParaRPr lang="en-US" b="0" dirty="0">
+              <a:effectLst/>
+              <a:latin typeface="+mn-lt"/>
+            </a:endParaRPr>
+          </a:p>
+          <a:p>
+            <a:pPr rtl="0">
+              <a:spcBef>
+                <a:spcPts val="0"/>
+              </a:spcBef>
+              <a:spcAft>
+                <a:spcPts val="0"/>
+              </a:spcAft>
+            </a:pPr>
+            <a:r>
+              <a:rPr lang="en-US" b="0" i="0" u="none" strike="noStrike" dirty="0">
+                <a:solidFill>
+                  <a:srgbClr val="000000"/>
+                </a:solidFill>
+                <a:effectLst/>
+                <a:latin typeface="+mn-lt"/>
+              </a:rPr>
+              <a:t>We ran all of the tests 10 times, once with the percentage-add and once with each-node add.</a:t>
+            </a:r>
+            <a:endParaRPr lang="en-US" b="0" dirty="0">
+              <a:effectLst/>
+              <a:latin typeface="+mn-lt"/>
+            </a:endParaRPr>
+          </a:p>
+          <a:p>
+            <a:br>
+              <a:rPr lang="en-US" dirty="0">
+                <a:latin typeface="+mn-lt"/>
+              </a:rPr>
+            </a:br>
+            <a:endParaRPr lang="de-DE" dirty="0">
+              <a:latin typeface="+mn-lt"/>
+            </a:endParaRPr>
+          </a:p>
+        </p:txBody>
+      </p:sp>
+      <p:sp>
+        <p:nvSpPr>
+          <p:cNvPr id="7" name="TextBox 6">
+            <a:extLst>
+              <a:ext uri="{FF2B5EF4-FFF2-40B4-BE49-F238E27FC236}">
+                <a16:creationId xmlns:a16="http://schemas.microsoft.com/office/drawing/2014/main" id="{77EB5F09-73F4-922B-A760-D98FC1673F4D}"/>
+              </a:ext>
+            </a:extLst>
+          </p:cNvPr>
+          <p:cNvSpPr txBox="1"/>
+          <p:nvPr/>
+        </p:nvSpPr>
+        <p:spPr>
+          <a:xfrm>
+            <a:off x="-1" y="4544531"/>
+            <a:ext cx="3728621" cy="1815882"/>
+          </a:xfrm>
+          <a:prstGeom prst="rect">
+            <a:avLst/>
+          </a:prstGeom>
+          <a:noFill/>
+        </p:spPr>
+        <p:txBody>
+          <a:bodyPr wrap="square">
+            <a:spAutoFit/>
+          </a:bodyPr>
+          <a:lstStyle/>
+          <a:p>
+            <a:pPr rtl="0">
+              <a:spcBef>
+                <a:spcPts val="0"/>
+              </a:spcBef>
+              <a:spcAft>
+                <a:spcPts val="0"/>
+              </a:spcAft>
+            </a:pPr>
+            <a:r>
+              <a:rPr lang="en-US" sz="1400" b="0" i="0" u="none" strike="noStrike" dirty="0">
+                <a:solidFill>
+                  <a:srgbClr val="000000"/>
+                </a:solidFill>
+                <a:effectLst/>
+                <a:latin typeface="Times New Roman" panose="02020603050405020304" pitchFamily="18" charset="0"/>
+              </a:rPr>
+              <a:t>Pruning usually hurts performance but results have high STD</a:t>
+            </a:r>
+            <a:endParaRPr lang="en-US" b="0" dirty="0">
+              <a:effectLst/>
+            </a:endParaRPr>
+          </a:p>
+          <a:p>
+            <a:pPr rtl="0">
+              <a:spcBef>
+                <a:spcPts val="0"/>
+              </a:spcBef>
+              <a:spcAft>
+                <a:spcPts val="0"/>
+              </a:spcAft>
+            </a:pPr>
+            <a:r>
+              <a:rPr lang="en-US" sz="1400" b="0" i="0" u="none" strike="noStrike" dirty="0">
+                <a:solidFill>
+                  <a:srgbClr val="000000"/>
+                </a:solidFill>
+                <a:effectLst/>
+                <a:latin typeface="Times New Roman" panose="02020603050405020304" pitchFamily="18" charset="0"/>
+              </a:rPr>
+              <a:t>Adding to first alone layer hurts performance, adding to second layer alone helps performance, adding to both layers helps even more</a:t>
+            </a:r>
+            <a:endParaRPr lang="en-US" b="0" dirty="0">
+              <a:effectLst/>
+            </a:endParaRPr>
+          </a:p>
+          <a:p>
+            <a:br>
+              <a:rPr lang="en-US" b="0" dirty="0">
+                <a:effectLst/>
+              </a:rPr>
+            </a:br>
+            <a:br>
+              <a:rPr lang="en-US" b="0" dirty="0">
+                <a:effectLst/>
+              </a:rPr>
+            </a:br>
+            <a:endParaRPr lang="de-DE" dirty="0"/>
+          </a:p>
+        </p:txBody>
+      </p:sp>
+      <p:graphicFrame>
+        <p:nvGraphicFramePr>
+          <p:cNvPr id="2" name="Table 1">
+            <a:extLst>
+              <a:ext uri="{FF2B5EF4-FFF2-40B4-BE49-F238E27FC236}">
+                <a16:creationId xmlns:a16="http://schemas.microsoft.com/office/drawing/2014/main" id="{C1CE49CD-E5CD-559B-95D2-05A58709CE35}"/>
+              </a:ext>
+            </a:extLst>
+          </p:cNvPr>
+          <p:cNvGraphicFramePr>
+            <a:graphicFrameLocks noGrp="1"/>
+          </p:cNvGraphicFramePr>
+          <p:nvPr>
+            <p:extLst>
+              <p:ext uri="{D42A27DB-BD31-4B8C-83A1-F6EECF244321}">
+                <p14:modId xmlns:p14="http://schemas.microsoft.com/office/powerpoint/2010/main" val="3806675677"/>
+              </p:ext>
+            </p:extLst>
+          </p:nvPr>
+        </p:nvGraphicFramePr>
+        <p:xfrm>
+          <a:off x="3728620" y="2731411"/>
+          <a:ext cx="5038396" cy="3957320"/>
+        </p:xfrm>
+        <a:graphic>
+          <a:graphicData uri="http://schemas.openxmlformats.org/drawingml/2006/table">
+            <a:tbl>
+              <a:tblPr/>
+              <a:tblGrid>
+                <a:gridCol w="2148862">
+                  <a:extLst>
+                    <a:ext uri="{9D8B030D-6E8A-4147-A177-3AD203B41FA5}">
+                      <a16:colId xmlns:a16="http://schemas.microsoft.com/office/drawing/2014/main" val="3470321076"/>
+                    </a:ext>
+                  </a:extLst>
+                </a:gridCol>
+                <a:gridCol w="1243597">
+                  <a:extLst>
+                    <a:ext uri="{9D8B030D-6E8A-4147-A177-3AD203B41FA5}">
+                      <a16:colId xmlns:a16="http://schemas.microsoft.com/office/drawing/2014/main" val="3856828955"/>
+                    </a:ext>
+                  </a:extLst>
+                </a:gridCol>
+                <a:gridCol w="960130">
+                  <a:extLst>
+                    <a:ext uri="{9D8B030D-6E8A-4147-A177-3AD203B41FA5}">
+                      <a16:colId xmlns:a16="http://schemas.microsoft.com/office/drawing/2014/main" val="586097438"/>
+                    </a:ext>
+                  </a:extLst>
+                </a:gridCol>
+                <a:gridCol w="685807">
+                  <a:extLst>
+                    <a:ext uri="{9D8B030D-6E8A-4147-A177-3AD203B41FA5}">
+                      <a16:colId xmlns:a16="http://schemas.microsoft.com/office/drawing/2014/main" val="862406990"/>
+                    </a:ext>
+                  </a:extLst>
+                </a:gridCol>
+              </a:tblGrid>
+              <a:tr h="379517">
+                <a:tc>
+                  <a:txBody>
+                    <a:bodyPr/>
+                    <a:lstStyle/>
+                    <a:p>
+                      <a:pPr algn="ctr" rtl="0" fontAlgn="t">
+                        <a:spcBef>
+                          <a:spcPts val="0"/>
+                        </a:spcBef>
+                        <a:spcAft>
+                          <a:spcPts val="0"/>
+                        </a:spcAft>
+                      </a:pPr>
+                      <a:r>
+                        <a:rPr lang="de-DE" sz="1400" b="1" i="0" u="none" strike="noStrike">
+                          <a:solidFill>
+                            <a:srgbClr val="000000"/>
+                          </a:solidFill>
+                          <a:effectLst/>
+                          <a:latin typeface="Times New Roman" panose="02020603050405020304" pitchFamily="18" charset="0"/>
+                        </a:rPr>
+                        <a:t>Model </a:t>
+                      </a:r>
+                      <a:endParaRPr lang="de-DE">
+                        <a:effectLst/>
+                      </a:endParaRPr>
+                    </a:p>
+                  </a:txBody>
+                  <a:tcPr marL="63500" marR="63500" marT="63500" marB="63500">
+                    <a:lnL w="12700" cap="flat" cmpd="sng" algn="ctr">
+                      <a:solidFill>
+                        <a:srgbClr val="000000"/>
+                      </a:solidFill>
+                      <a:prstDash val="solid"/>
+                      <a:round/>
+                      <a:headEnd type="none" w="med" len="med"/>
+                      <a:tailEnd type="none" w="med" len="med"/>
+                    </a:lnL>
+                    <a:lnR w="12700" cap="flat" cmpd="sng" algn="ctr">
+                      <a:solidFill>
+                        <a:srgbClr val="000000"/>
+                      </a:solidFill>
+                      <a:prstDash val="solid"/>
+                      <a:round/>
+                      <a:headEnd type="none" w="med" len="med"/>
+                      <a:tailEnd type="none" w="med" len="med"/>
+                    </a:lnR>
+                    <a:lnT w="12700" cap="flat" cmpd="sng" algn="ctr">
+                      <a:solidFill>
+                        <a:srgbClr val="000000"/>
+                      </a:solidFill>
+                      <a:prstDash val="solid"/>
+                      <a:round/>
+                      <a:headEnd type="none" w="med" len="med"/>
+                      <a:tailEnd type="none" w="med" len="med"/>
+                    </a:lnT>
+                    <a:lnB w="12700" cap="flat" cmpd="sng" algn="ctr">
+                      <a:solidFill>
+                        <a:srgbClr val="000000"/>
+                      </a:solidFill>
+                      <a:prstDash val="solid"/>
+                      <a:round/>
+                      <a:headEnd type="none" w="med" len="med"/>
+                      <a:tailEnd type="none" w="med" len="med"/>
+                    </a:lnB>
+                  </a:tcPr>
+                </a:tc>
+                <a:tc>
+                  <a:txBody>
+                    <a:bodyPr/>
+                    <a:lstStyle/>
+                    <a:p>
+                      <a:pPr algn="ctr" rtl="0" fontAlgn="t">
+                        <a:spcBef>
+                          <a:spcPts val="0"/>
+                        </a:spcBef>
+                        <a:spcAft>
+                          <a:spcPts val="0"/>
+                        </a:spcAft>
+                      </a:pPr>
+                      <a:r>
+                        <a:rPr lang="de-DE" sz="1400" b="1" i="0" u="none" strike="noStrike" dirty="0">
+                          <a:solidFill>
+                            <a:srgbClr val="000000"/>
+                          </a:solidFill>
+                          <a:effectLst/>
+                          <a:latin typeface="Times New Roman" panose="02020603050405020304" pitchFamily="18" charset="0"/>
+                        </a:rPr>
+                        <a:t>Average </a:t>
+                      </a:r>
+                      <a:r>
+                        <a:rPr lang="de-DE" sz="1400" b="1" i="0" u="none" strike="noStrike" dirty="0" err="1">
+                          <a:solidFill>
+                            <a:srgbClr val="000000"/>
+                          </a:solidFill>
+                          <a:effectLst/>
+                          <a:latin typeface="Times New Roman" panose="02020603050405020304" pitchFamily="18" charset="0"/>
+                        </a:rPr>
+                        <a:t>Accuracy</a:t>
+                      </a:r>
+                      <a:endParaRPr lang="de-DE" dirty="0">
+                        <a:effectLst/>
+                      </a:endParaRPr>
+                    </a:p>
+                  </a:txBody>
+                  <a:tcPr marL="63500" marR="63500" marT="63500" marB="63500">
+                    <a:lnL w="12700" cap="flat" cmpd="sng" algn="ctr">
+                      <a:solidFill>
+                        <a:srgbClr val="000000"/>
+                      </a:solidFill>
+                      <a:prstDash val="solid"/>
+                      <a:round/>
+                      <a:headEnd type="none" w="med" len="med"/>
+                      <a:tailEnd type="none" w="med" len="med"/>
+                    </a:lnL>
+                    <a:lnR w="12700" cap="flat" cmpd="sng" algn="ctr">
+                      <a:solidFill>
+                        <a:srgbClr val="000000"/>
+                      </a:solidFill>
+                      <a:prstDash val="solid"/>
+                      <a:round/>
+                      <a:headEnd type="none" w="med" len="med"/>
+                      <a:tailEnd type="none" w="med" len="med"/>
+                    </a:lnR>
+                    <a:lnT w="12700" cap="flat" cmpd="sng" algn="ctr">
+                      <a:solidFill>
+                        <a:srgbClr val="000000"/>
+                      </a:solidFill>
+                      <a:prstDash val="solid"/>
+                      <a:round/>
+                      <a:headEnd type="none" w="med" len="med"/>
+                      <a:tailEnd type="none" w="med" len="med"/>
+                    </a:lnT>
+                    <a:lnB w="12700" cap="flat" cmpd="sng" algn="ctr">
+                      <a:solidFill>
+                        <a:srgbClr val="000000"/>
+                      </a:solidFill>
+                      <a:prstDash val="solid"/>
+                      <a:round/>
+                      <a:headEnd type="none" w="med" len="med"/>
+                      <a:tailEnd type="none" w="med" len="med"/>
+                    </a:lnB>
+                  </a:tcPr>
+                </a:tc>
+                <a:tc>
+                  <a:txBody>
+                    <a:bodyPr/>
+                    <a:lstStyle/>
+                    <a:p>
+                      <a:pPr algn="ctr" rtl="0" fontAlgn="t">
+                        <a:spcBef>
+                          <a:spcPts val="0"/>
+                        </a:spcBef>
+                        <a:spcAft>
+                          <a:spcPts val="0"/>
+                        </a:spcAft>
+                      </a:pPr>
+                      <a:r>
+                        <a:rPr lang="de-DE" sz="1400" b="1" i="0" u="none" strike="noStrike">
+                          <a:solidFill>
+                            <a:srgbClr val="000000"/>
+                          </a:solidFill>
+                          <a:effectLst/>
+                          <a:latin typeface="Times New Roman" panose="02020603050405020304" pitchFamily="18" charset="0"/>
+                        </a:rPr>
+                        <a:t>Max Accuracy</a:t>
+                      </a:r>
+                      <a:endParaRPr lang="de-DE">
+                        <a:effectLst/>
+                      </a:endParaRPr>
+                    </a:p>
+                  </a:txBody>
+                  <a:tcPr marL="63500" marR="63500" marT="63500" marB="63500">
+                    <a:lnL w="12700" cap="flat" cmpd="sng" algn="ctr">
+                      <a:solidFill>
+                        <a:srgbClr val="000000"/>
+                      </a:solidFill>
+                      <a:prstDash val="solid"/>
+                      <a:round/>
+                      <a:headEnd type="none" w="med" len="med"/>
+                      <a:tailEnd type="none" w="med" len="med"/>
+                    </a:lnL>
+                    <a:lnR w="12700" cap="flat" cmpd="sng" algn="ctr">
+                      <a:solidFill>
+                        <a:srgbClr val="000000"/>
+                      </a:solidFill>
+                      <a:prstDash val="solid"/>
+                      <a:round/>
+                      <a:headEnd type="none" w="med" len="med"/>
+                      <a:tailEnd type="none" w="med" len="med"/>
+                    </a:lnR>
+                    <a:lnT w="12700" cap="flat" cmpd="sng" algn="ctr">
+                      <a:solidFill>
+                        <a:srgbClr val="000000"/>
+                      </a:solidFill>
+                      <a:prstDash val="solid"/>
+                      <a:round/>
+                      <a:headEnd type="none" w="med" len="med"/>
+                      <a:tailEnd type="none" w="med" len="med"/>
+                    </a:lnT>
+                    <a:lnB w="12700" cap="flat" cmpd="sng" algn="ctr">
+                      <a:solidFill>
+                        <a:srgbClr val="000000"/>
+                      </a:solidFill>
+                      <a:prstDash val="solid"/>
+                      <a:round/>
+                      <a:headEnd type="none" w="med" len="med"/>
+                      <a:tailEnd type="none" w="med" len="med"/>
+                    </a:lnB>
+                  </a:tcPr>
+                </a:tc>
+                <a:tc>
+                  <a:txBody>
+                    <a:bodyPr/>
+                    <a:lstStyle/>
+                    <a:p>
+                      <a:pPr algn="ctr" rtl="0" fontAlgn="t">
+                        <a:spcBef>
+                          <a:spcPts val="0"/>
+                        </a:spcBef>
+                        <a:spcAft>
+                          <a:spcPts val="0"/>
+                        </a:spcAft>
+                      </a:pPr>
+                      <a:r>
+                        <a:rPr lang="de-DE" sz="1400" b="1" i="0" u="none" strike="noStrike">
+                          <a:solidFill>
+                            <a:srgbClr val="000000"/>
+                          </a:solidFill>
+                          <a:effectLst/>
+                          <a:latin typeface="Times New Roman" panose="02020603050405020304" pitchFamily="18" charset="0"/>
+                        </a:rPr>
+                        <a:t>STD</a:t>
+                      </a:r>
+                      <a:endParaRPr lang="de-DE">
+                        <a:effectLst/>
+                      </a:endParaRPr>
+                    </a:p>
+                  </a:txBody>
+                  <a:tcPr marL="63500" marR="63500" marT="63500" marB="63500">
+                    <a:lnL w="12700" cap="flat" cmpd="sng" algn="ctr">
+                      <a:solidFill>
+                        <a:srgbClr val="000000"/>
+                      </a:solidFill>
+                      <a:prstDash val="solid"/>
+                      <a:round/>
+                      <a:headEnd type="none" w="med" len="med"/>
+                      <a:tailEnd type="none" w="med" len="med"/>
+                    </a:lnL>
+                    <a:lnR w="12700" cap="flat" cmpd="sng" algn="ctr">
+                      <a:solidFill>
+                        <a:srgbClr val="000000"/>
+                      </a:solidFill>
+                      <a:prstDash val="solid"/>
+                      <a:round/>
+                      <a:headEnd type="none" w="med" len="med"/>
+                      <a:tailEnd type="none" w="med" len="med"/>
+                    </a:lnR>
+                    <a:lnT w="12700" cap="flat" cmpd="sng" algn="ctr">
+                      <a:solidFill>
+                        <a:srgbClr val="000000"/>
+                      </a:solidFill>
+                      <a:prstDash val="solid"/>
+                      <a:round/>
+                      <a:headEnd type="none" w="med" len="med"/>
+                      <a:tailEnd type="none" w="med" len="med"/>
+                    </a:lnT>
+                    <a:lnB w="12700" cap="flat" cmpd="sng" algn="ctr">
+                      <a:solidFill>
+                        <a:srgbClr val="000000"/>
+                      </a:solidFill>
+                      <a:prstDash val="solid"/>
+                      <a:round/>
+                      <a:headEnd type="none" w="med" len="med"/>
+                      <a:tailEnd type="none" w="med" len="med"/>
+                    </a:lnB>
+                  </a:tcPr>
+                </a:tc>
+                <a:extLst>
+                  <a:ext uri="{0D108BD9-81ED-4DB2-BD59-A6C34878D82A}">
+                    <a16:rowId xmlns:a16="http://schemas.microsoft.com/office/drawing/2014/main" val="1983676470"/>
+                  </a:ext>
+                </a:extLst>
+              </a:tr>
+              <a:tr h="233281">
+                <a:tc>
+                  <a:txBody>
+                    <a:bodyPr/>
+                    <a:lstStyle/>
+                    <a:p>
+                      <a:pPr algn="ctr" rtl="0" fontAlgn="t">
+                        <a:spcBef>
+                          <a:spcPts val="0"/>
+                        </a:spcBef>
+                        <a:spcAft>
+                          <a:spcPts val="0"/>
+                        </a:spcAft>
+                      </a:pPr>
+                      <a:r>
+                        <a:rPr lang="de-DE" sz="1400" b="0" i="0" u="none" strike="noStrike">
+                          <a:solidFill>
+                            <a:srgbClr val="000000"/>
+                          </a:solidFill>
+                          <a:effectLst/>
+                          <a:latin typeface="Times New Roman" panose="02020603050405020304" pitchFamily="18" charset="0"/>
+                        </a:rPr>
+                        <a:t>Base</a:t>
+                      </a:r>
+                      <a:endParaRPr lang="de-DE">
+                        <a:effectLst/>
+                      </a:endParaRPr>
+                    </a:p>
+                  </a:txBody>
+                  <a:tcPr marL="63500" marR="63500" marT="63500" marB="63500">
+                    <a:lnL w="12700" cap="flat" cmpd="sng" algn="ctr">
+                      <a:solidFill>
+                        <a:srgbClr val="000000"/>
+                      </a:solidFill>
+                      <a:prstDash val="solid"/>
+                      <a:round/>
+                      <a:headEnd type="none" w="med" len="med"/>
+                      <a:tailEnd type="none" w="med" len="med"/>
+                    </a:lnL>
+                    <a:lnR w="12700" cap="flat" cmpd="sng" algn="ctr">
+                      <a:solidFill>
+                        <a:srgbClr val="000000"/>
+                      </a:solidFill>
+                      <a:prstDash val="solid"/>
+                      <a:round/>
+                      <a:headEnd type="none" w="med" len="med"/>
+                      <a:tailEnd type="none" w="med" len="med"/>
+                    </a:lnR>
+                    <a:lnT w="12700" cap="flat" cmpd="sng" algn="ctr">
+                      <a:solidFill>
+                        <a:srgbClr val="000000"/>
+                      </a:solidFill>
+                      <a:prstDash val="solid"/>
+                      <a:round/>
+                      <a:headEnd type="none" w="med" len="med"/>
+                      <a:tailEnd type="none" w="med" len="med"/>
+                    </a:lnT>
+                    <a:lnB w="12700" cap="flat" cmpd="sng" algn="ctr">
+                      <a:solidFill>
+                        <a:srgbClr val="000000"/>
+                      </a:solidFill>
+                      <a:prstDash val="solid"/>
+                      <a:round/>
+                      <a:headEnd type="none" w="med" len="med"/>
+                      <a:tailEnd type="none" w="med" len="med"/>
+                    </a:lnB>
+                  </a:tcPr>
+                </a:tc>
+                <a:tc>
+                  <a:txBody>
+                    <a:bodyPr/>
+                    <a:lstStyle/>
+                    <a:p>
+                      <a:pPr algn="ctr" rtl="0" fontAlgn="t">
+                        <a:spcBef>
+                          <a:spcPts val="0"/>
+                        </a:spcBef>
+                        <a:spcAft>
+                          <a:spcPts val="0"/>
+                        </a:spcAft>
+                      </a:pPr>
+                      <a:r>
+                        <a:rPr lang="de-DE" sz="1400" b="0" i="0" u="none" strike="noStrike">
+                          <a:solidFill>
+                            <a:srgbClr val="000000"/>
+                          </a:solidFill>
+                          <a:effectLst/>
+                          <a:latin typeface="Times New Roman" panose="02020603050405020304" pitchFamily="18" charset="0"/>
+                        </a:rPr>
+                        <a:t>0.825</a:t>
+                      </a:r>
+                      <a:endParaRPr lang="de-DE">
+                        <a:effectLst/>
+                      </a:endParaRPr>
+                    </a:p>
+                  </a:txBody>
+                  <a:tcPr marL="63500" marR="63500" marT="63500" marB="63500">
+                    <a:lnL w="12700" cap="flat" cmpd="sng" algn="ctr">
+                      <a:solidFill>
+                        <a:srgbClr val="000000"/>
+                      </a:solidFill>
+                      <a:prstDash val="solid"/>
+                      <a:round/>
+                      <a:headEnd type="none" w="med" len="med"/>
+                      <a:tailEnd type="none" w="med" len="med"/>
+                    </a:lnL>
+                    <a:lnR w="12700" cap="flat" cmpd="sng" algn="ctr">
+                      <a:solidFill>
+                        <a:srgbClr val="000000"/>
+                      </a:solidFill>
+                      <a:prstDash val="solid"/>
+                      <a:round/>
+                      <a:headEnd type="none" w="med" len="med"/>
+                      <a:tailEnd type="none" w="med" len="med"/>
+                    </a:lnR>
+                    <a:lnT w="12700" cap="flat" cmpd="sng" algn="ctr">
+                      <a:solidFill>
+                        <a:srgbClr val="000000"/>
+                      </a:solidFill>
+                      <a:prstDash val="solid"/>
+                      <a:round/>
+                      <a:headEnd type="none" w="med" len="med"/>
+                      <a:tailEnd type="none" w="med" len="med"/>
+                    </a:lnT>
+                    <a:lnB w="12700" cap="flat" cmpd="sng" algn="ctr">
+                      <a:solidFill>
+                        <a:srgbClr val="000000"/>
+                      </a:solidFill>
+                      <a:prstDash val="solid"/>
+                      <a:round/>
+                      <a:headEnd type="none" w="med" len="med"/>
+                      <a:tailEnd type="none" w="med" len="med"/>
+                    </a:lnB>
+                  </a:tcPr>
+                </a:tc>
+                <a:tc>
+                  <a:txBody>
+                    <a:bodyPr/>
+                    <a:lstStyle/>
+                    <a:p>
+                      <a:pPr algn="ctr" rtl="0" fontAlgn="t">
+                        <a:spcBef>
+                          <a:spcPts val="0"/>
+                        </a:spcBef>
+                        <a:spcAft>
+                          <a:spcPts val="0"/>
+                        </a:spcAft>
+                      </a:pPr>
+                      <a:r>
+                        <a:rPr lang="de-DE" sz="1400" b="0" i="0" u="none" strike="noStrike">
+                          <a:solidFill>
+                            <a:srgbClr val="000000"/>
+                          </a:solidFill>
+                          <a:effectLst/>
+                          <a:latin typeface="Times New Roman" panose="02020603050405020304" pitchFamily="18" charset="0"/>
+                        </a:rPr>
+                        <a:t>0.832</a:t>
+                      </a:r>
+                      <a:endParaRPr lang="de-DE">
+                        <a:effectLst/>
+                      </a:endParaRPr>
+                    </a:p>
+                  </a:txBody>
+                  <a:tcPr marL="63500" marR="63500" marT="63500" marB="63500">
+                    <a:lnL w="12700" cap="flat" cmpd="sng" algn="ctr">
+                      <a:solidFill>
+                        <a:srgbClr val="000000"/>
+                      </a:solidFill>
+                      <a:prstDash val="solid"/>
+                      <a:round/>
+                      <a:headEnd type="none" w="med" len="med"/>
+                      <a:tailEnd type="none" w="med" len="med"/>
+                    </a:lnL>
+                    <a:lnR w="12700" cap="flat" cmpd="sng" algn="ctr">
+                      <a:solidFill>
+                        <a:srgbClr val="000000"/>
+                      </a:solidFill>
+                      <a:prstDash val="solid"/>
+                      <a:round/>
+                      <a:headEnd type="none" w="med" len="med"/>
+                      <a:tailEnd type="none" w="med" len="med"/>
+                    </a:lnR>
+                    <a:lnT w="12700" cap="flat" cmpd="sng" algn="ctr">
+                      <a:solidFill>
+                        <a:srgbClr val="000000"/>
+                      </a:solidFill>
+                      <a:prstDash val="solid"/>
+                      <a:round/>
+                      <a:headEnd type="none" w="med" len="med"/>
+                      <a:tailEnd type="none" w="med" len="med"/>
+                    </a:lnT>
+                    <a:lnB w="12700" cap="flat" cmpd="sng" algn="ctr">
+                      <a:solidFill>
+                        <a:srgbClr val="000000"/>
+                      </a:solidFill>
+                      <a:prstDash val="solid"/>
+                      <a:round/>
+                      <a:headEnd type="none" w="med" len="med"/>
+                      <a:tailEnd type="none" w="med" len="med"/>
+                    </a:lnB>
+                  </a:tcPr>
+                </a:tc>
+                <a:tc>
+                  <a:txBody>
+                    <a:bodyPr/>
+                    <a:lstStyle/>
+                    <a:p>
+                      <a:pPr algn="ctr" rtl="0" fontAlgn="t">
+                        <a:spcBef>
+                          <a:spcPts val="0"/>
+                        </a:spcBef>
+                        <a:spcAft>
+                          <a:spcPts val="0"/>
+                        </a:spcAft>
+                      </a:pPr>
+                      <a:r>
+                        <a:rPr lang="de-DE" sz="1400" b="0" i="0" u="none" strike="noStrike">
+                          <a:solidFill>
+                            <a:srgbClr val="000000"/>
+                          </a:solidFill>
+                          <a:effectLst/>
+                          <a:latin typeface="Times New Roman" panose="02020603050405020304" pitchFamily="18" charset="0"/>
+                        </a:rPr>
+                        <a:t>0.004</a:t>
+                      </a:r>
+                      <a:endParaRPr lang="de-DE">
+                        <a:effectLst/>
+                      </a:endParaRPr>
+                    </a:p>
+                  </a:txBody>
+                  <a:tcPr marL="63500" marR="63500" marT="63500" marB="63500">
+                    <a:lnL w="12700" cap="flat" cmpd="sng" algn="ctr">
+                      <a:solidFill>
+                        <a:srgbClr val="000000"/>
+                      </a:solidFill>
+                      <a:prstDash val="solid"/>
+                      <a:round/>
+                      <a:headEnd type="none" w="med" len="med"/>
+                      <a:tailEnd type="none" w="med" len="med"/>
+                    </a:lnL>
+                    <a:lnR w="12700" cap="flat" cmpd="sng" algn="ctr">
+                      <a:solidFill>
+                        <a:srgbClr val="000000"/>
+                      </a:solidFill>
+                      <a:prstDash val="solid"/>
+                      <a:round/>
+                      <a:headEnd type="none" w="med" len="med"/>
+                      <a:tailEnd type="none" w="med" len="med"/>
+                    </a:lnR>
+                    <a:lnT w="12700" cap="flat" cmpd="sng" algn="ctr">
+                      <a:solidFill>
+                        <a:srgbClr val="000000"/>
+                      </a:solidFill>
+                      <a:prstDash val="solid"/>
+                      <a:round/>
+                      <a:headEnd type="none" w="med" len="med"/>
+                      <a:tailEnd type="none" w="med" len="med"/>
+                    </a:lnT>
+                    <a:lnB w="12700" cap="flat" cmpd="sng" algn="ctr">
+                      <a:solidFill>
+                        <a:srgbClr val="000000"/>
+                      </a:solidFill>
+                      <a:prstDash val="solid"/>
+                      <a:round/>
+                      <a:headEnd type="none" w="med" len="med"/>
+                      <a:tailEnd type="none" w="med" len="med"/>
+                    </a:lnB>
+                  </a:tcPr>
+                </a:tc>
+                <a:extLst>
+                  <a:ext uri="{0D108BD9-81ED-4DB2-BD59-A6C34878D82A}">
+                    <a16:rowId xmlns:a16="http://schemas.microsoft.com/office/drawing/2014/main" val="4257670189"/>
+                  </a:ext>
+                </a:extLst>
+              </a:tr>
+              <a:tr h="233281">
+                <a:tc>
+                  <a:txBody>
+                    <a:bodyPr/>
+                    <a:lstStyle/>
+                    <a:p>
+                      <a:pPr algn="ctr" rtl="0" fontAlgn="t">
+                        <a:spcBef>
+                          <a:spcPts val="0"/>
+                        </a:spcBef>
+                        <a:spcAft>
+                          <a:spcPts val="0"/>
+                        </a:spcAft>
+                      </a:pPr>
+                      <a:r>
+                        <a:rPr lang="de-DE" sz="1400" b="0" i="0" u="none" strike="noStrike">
+                          <a:solidFill>
+                            <a:srgbClr val="000000"/>
+                          </a:solidFill>
+                          <a:effectLst/>
+                          <a:latin typeface="Times New Roman" panose="02020603050405020304" pitchFamily="18" charset="0"/>
+                        </a:rPr>
+                        <a:t>First_Layer_Prune</a:t>
+                      </a:r>
+                      <a:endParaRPr lang="de-DE">
+                        <a:effectLst/>
+                      </a:endParaRPr>
+                    </a:p>
+                  </a:txBody>
+                  <a:tcPr marL="63500" marR="63500" marT="63500" marB="63500">
+                    <a:lnL w="12700" cap="flat" cmpd="sng" algn="ctr">
+                      <a:solidFill>
+                        <a:srgbClr val="000000"/>
+                      </a:solidFill>
+                      <a:prstDash val="solid"/>
+                      <a:round/>
+                      <a:headEnd type="none" w="med" len="med"/>
+                      <a:tailEnd type="none" w="med" len="med"/>
+                    </a:lnL>
+                    <a:lnR w="12700" cap="flat" cmpd="sng" algn="ctr">
+                      <a:solidFill>
+                        <a:srgbClr val="000000"/>
+                      </a:solidFill>
+                      <a:prstDash val="solid"/>
+                      <a:round/>
+                      <a:headEnd type="none" w="med" len="med"/>
+                      <a:tailEnd type="none" w="med" len="med"/>
+                    </a:lnR>
+                    <a:lnT w="12700" cap="flat" cmpd="sng" algn="ctr">
+                      <a:solidFill>
+                        <a:srgbClr val="000000"/>
+                      </a:solidFill>
+                      <a:prstDash val="solid"/>
+                      <a:round/>
+                      <a:headEnd type="none" w="med" len="med"/>
+                      <a:tailEnd type="none" w="med" len="med"/>
+                    </a:lnT>
+                    <a:lnB w="12700" cap="flat" cmpd="sng" algn="ctr">
+                      <a:solidFill>
+                        <a:srgbClr val="000000"/>
+                      </a:solidFill>
+                      <a:prstDash val="solid"/>
+                      <a:round/>
+                      <a:headEnd type="none" w="med" len="med"/>
+                      <a:tailEnd type="none" w="med" len="med"/>
+                    </a:lnB>
+                  </a:tcPr>
+                </a:tc>
+                <a:tc>
+                  <a:txBody>
+                    <a:bodyPr/>
+                    <a:lstStyle/>
+                    <a:p>
+                      <a:pPr algn="ctr" rtl="0" fontAlgn="t">
+                        <a:spcBef>
+                          <a:spcPts val="0"/>
+                        </a:spcBef>
+                        <a:spcAft>
+                          <a:spcPts val="0"/>
+                        </a:spcAft>
+                      </a:pPr>
+                      <a:r>
+                        <a:rPr lang="de-DE" sz="1400" b="0" i="0" u="none" strike="noStrike">
+                          <a:solidFill>
+                            <a:srgbClr val="000000"/>
+                          </a:solidFill>
+                          <a:effectLst/>
+                          <a:latin typeface="Times New Roman" panose="02020603050405020304" pitchFamily="18" charset="0"/>
+                        </a:rPr>
+                        <a:t>0.816</a:t>
+                      </a:r>
+                      <a:endParaRPr lang="de-DE">
+                        <a:effectLst/>
+                      </a:endParaRPr>
+                    </a:p>
+                  </a:txBody>
+                  <a:tcPr marL="63500" marR="63500" marT="63500" marB="63500">
+                    <a:lnL w="12700" cap="flat" cmpd="sng" algn="ctr">
+                      <a:solidFill>
+                        <a:srgbClr val="000000"/>
+                      </a:solidFill>
+                      <a:prstDash val="solid"/>
+                      <a:round/>
+                      <a:headEnd type="none" w="med" len="med"/>
+                      <a:tailEnd type="none" w="med" len="med"/>
+                    </a:lnL>
+                    <a:lnR w="12700" cap="flat" cmpd="sng" algn="ctr">
+                      <a:solidFill>
+                        <a:srgbClr val="000000"/>
+                      </a:solidFill>
+                      <a:prstDash val="solid"/>
+                      <a:round/>
+                      <a:headEnd type="none" w="med" len="med"/>
+                      <a:tailEnd type="none" w="med" len="med"/>
+                    </a:lnR>
+                    <a:lnT w="12700" cap="flat" cmpd="sng" algn="ctr">
+                      <a:solidFill>
+                        <a:srgbClr val="000000"/>
+                      </a:solidFill>
+                      <a:prstDash val="solid"/>
+                      <a:round/>
+                      <a:headEnd type="none" w="med" len="med"/>
+                      <a:tailEnd type="none" w="med" len="med"/>
+                    </a:lnT>
+                    <a:lnB w="12700" cap="flat" cmpd="sng" algn="ctr">
+                      <a:solidFill>
+                        <a:srgbClr val="000000"/>
+                      </a:solidFill>
+                      <a:prstDash val="solid"/>
+                      <a:round/>
+                      <a:headEnd type="none" w="med" len="med"/>
+                      <a:tailEnd type="none" w="med" len="med"/>
+                    </a:lnB>
+                  </a:tcPr>
+                </a:tc>
+                <a:tc>
+                  <a:txBody>
+                    <a:bodyPr/>
+                    <a:lstStyle/>
+                    <a:p>
+                      <a:pPr algn="ctr" rtl="0" fontAlgn="t">
+                        <a:spcBef>
+                          <a:spcPts val="0"/>
+                        </a:spcBef>
+                        <a:spcAft>
+                          <a:spcPts val="0"/>
+                        </a:spcAft>
+                      </a:pPr>
+                      <a:r>
+                        <a:rPr lang="de-DE" sz="1400" b="0" i="0" u="none" strike="noStrike">
+                          <a:solidFill>
+                            <a:srgbClr val="000000"/>
+                          </a:solidFill>
+                          <a:effectLst/>
+                          <a:latin typeface="Times New Roman" panose="02020603050405020304" pitchFamily="18" charset="0"/>
+                        </a:rPr>
+                        <a:t>0.837</a:t>
+                      </a:r>
+                      <a:endParaRPr lang="de-DE">
+                        <a:effectLst/>
+                      </a:endParaRPr>
+                    </a:p>
+                  </a:txBody>
+                  <a:tcPr marL="63500" marR="63500" marT="63500" marB="63500">
+                    <a:lnL w="12700" cap="flat" cmpd="sng" algn="ctr">
+                      <a:solidFill>
+                        <a:srgbClr val="000000"/>
+                      </a:solidFill>
+                      <a:prstDash val="solid"/>
+                      <a:round/>
+                      <a:headEnd type="none" w="med" len="med"/>
+                      <a:tailEnd type="none" w="med" len="med"/>
+                    </a:lnL>
+                    <a:lnR w="12700" cap="flat" cmpd="sng" algn="ctr">
+                      <a:solidFill>
+                        <a:srgbClr val="000000"/>
+                      </a:solidFill>
+                      <a:prstDash val="solid"/>
+                      <a:round/>
+                      <a:headEnd type="none" w="med" len="med"/>
+                      <a:tailEnd type="none" w="med" len="med"/>
+                    </a:lnR>
+                    <a:lnT w="12700" cap="flat" cmpd="sng" algn="ctr">
+                      <a:solidFill>
+                        <a:srgbClr val="000000"/>
+                      </a:solidFill>
+                      <a:prstDash val="solid"/>
+                      <a:round/>
+                      <a:headEnd type="none" w="med" len="med"/>
+                      <a:tailEnd type="none" w="med" len="med"/>
+                    </a:lnT>
+                    <a:lnB w="12700" cap="flat" cmpd="sng" algn="ctr">
+                      <a:solidFill>
+                        <a:srgbClr val="000000"/>
+                      </a:solidFill>
+                      <a:prstDash val="solid"/>
+                      <a:round/>
+                      <a:headEnd type="none" w="med" len="med"/>
+                      <a:tailEnd type="none" w="med" len="med"/>
+                    </a:lnB>
+                  </a:tcPr>
+                </a:tc>
+                <a:tc>
+                  <a:txBody>
+                    <a:bodyPr/>
+                    <a:lstStyle/>
+                    <a:p>
+                      <a:pPr algn="ctr" rtl="0" fontAlgn="t">
+                        <a:spcBef>
+                          <a:spcPts val="0"/>
+                        </a:spcBef>
+                        <a:spcAft>
+                          <a:spcPts val="0"/>
+                        </a:spcAft>
+                      </a:pPr>
+                      <a:r>
+                        <a:rPr lang="de-DE" sz="1400" b="0" i="0" u="none" strike="noStrike">
+                          <a:solidFill>
+                            <a:srgbClr val="000000"/>
+                          </a:solidFill>
+                          <a:effectLst/>
+                          <a:latin typeface="Times New Roman" panose="02020603050405020304" pitchFamily="18" charset="0"/>
+                        </a:rPr>
+                        <a:t>0.01</a:t>
+                      </a:r>
+                      <a:endParaRPr lang="de-DE">
+                        <a:effectLst/>
+                      </a:endParaRPr>
+                    </a:p>
+                  </a:txBody>
+                  <a:tcPr marL="63500" marR="63500" marT="63500" marB="63500">
+                    <a:lnL w="12700" cap="flat" cmpd="sng" algn="ctr">
+                      <a:solidFill>
+                        <a:srgbClr val="000000"/>
+                      </a:solidFill>
+                      <a:prstDash val="solid"/>
+                      <a:round/>
+                      <a:headEnd type="none" w="med" len="med"/>
+                      <a:tailEnd type="none" w="med" len="med"/>
+                    </a:lnL>
+                    <a:lnR w="12700" cap="flat" cmpd="sng" algn="ctr">
+                      <a:solidFill>
+                        <a:srgbClr val="000000"/>
+                      </a:solidFill>
+                      <a:prstDash val="solid"/>
+                      <a:round/>
+                      <a:headEnd type="none" w="med" len="med"/>
+                      <a:tailEnd type="none" w="med" len="med"/>
+                    </a:lnR>
+                    <a:lnT w="12700" cap="flat" cmpd="sng" algn="ctr">
+                      <a:solidFill>
+                        <a:srgbClr val="000000"/>
+                      </a:solidFill>
+                      <a:prstDash val="solid"/>
+                      <a:round/>
+                      <a:headEnd type="none" w="med" len="med"/>
+                      <a:tailEnd type="none" w="med" len="med"/>
+                    </a:lnT>
+                    <a:lnB w="12700" cap="flat" cmpd="sng" algn="ctr">
+                      <a:solidFill>
+                        <a:srgbClr val="000000"/>
+                      </a:solidFill>
+                      <a:prstDash val="solid"/>
+                      <a:round/>
+                      <a:headEnd type="none" w="med" len="med"/>
+                      <a:tailEnd type="none" w="med" len="med"/>
+                    </a:lnB>
+                  </a:tcPr>
+                </a:tc>
+                <a:extLst>
+                  <a:ext uri="{0D108BD9-81ED-4DB2-BD59-A6C34878D82A}">
+                    <a16:rowId xmlns:a16="http://schemas.microsoft.com/office/drawing/2014/main" val="2137235229"/>
+                  </a:ext>
+                </a:extLst>
+              </a:tr>
+              <a:tr h="233281">
+                <a:tc>
+                  <a:txBody>
+                    <a:bodyPr/>
+                    <a:lstStyle/>
+                    <a:p>
+                      <a:pPr algn="ctr" rtl="0" fontAlgn="t">
+                        <a:spcBef>
+                          <a:spcPts val="0"/>
+                        </a:spcBef>
+                        <a:spcAft>
+                          <a:spcPts val="0"/>
+                        </a:spcAft>
+                      </a:pPr>
+                      <a:r>
+                        <a:rPr lang="de-DE" sz="1400" b="0" i="0" u="none" strike="noStrike">
+                          <a:solidFill>
+                            <a:srgbClr val="000000"/>
+                          </a:solidFill>
+                          <a:effectLst/>
+                          <a:latin typeface="Times New Roman" panose="02020603050405020304" pitchFamily="18" charset="0"/>
+                        </a:rPr>
+                        <a:t>First_Layer_Add</a:t>
+                      </a:r>
+                      <a:endParaRPr lang="de-DE">
+                        <a:effectLst/>
+                      </a:endParaRPr>
+                    </a:p>
+                  </a:txBody>
+                  <a:tcPr marL="63500" marR="63500" marT="63500" marB="63500">
+                    <a:lnL w="12700" cap="flat" cmpd="sng" algn="ctr">
+                      <a:solidFill>
+                        <a:srgbClr val="000000"/>
+                      </a:solidFill>
+                      <a:prstDash val="solid"/>
+                      <a:round/>
+                      <a:headEnd type="none" w="med" len="med"/>
+                      <a:tailEnd type="none" w="med" len="med"/>
+                    </a:lnL>
+                    <a:lnR w="12700" cap="flat" cmpd="sng" algn="ctr">
+                      <a:solidFill>
+                        <a:srgbClr val="000000"/>
+                      </a:solidFill>
+                      <a:prstDash val="solid"/>
+                      <a:round/>
+                      <a:headEnd type="none" w="med" len="med"/>
+                      <a:tailEnd type="none" w="med" len="med"/>
+                    </a:lnR>
+                    <a:lnT w="12700" cap="flat" cmpd="sng" algn="ctr">
+                      <a:solidFill>
+                        <a:srgbClr val="000000"/>
+                      </a:solidFill>
+                      <a:prstDash val="solid"/>
+                      <a:round/>
+                      <a:headEnd type="none" w="med" len="med"/>
+                      <a:tailEnd type="none" w="med" len="med"/>
+                    </a:lnT>
+                    <a:lnB w="12700" cap="flat" cmpd="sng" algn="ctr">
+                      <a:solidFill>
+                        <a:srgbClr val="000000"/>
+                      </a:solidFill>
+                      <a:prstDash val="solid"/>
+                      <a:round/>
+                      <a:headEnd type="none" w="med" len="med"/>
+                      <a:tailEnd type="none" w="med" len="med"/>
+                    </a:lnB>
+                  </a:tcPr>
+                </a:tc>
+                <a:tc>
+                  <a:txBody>
+                    <a:bodyPr/>
+                    <a:lstStyle/>
+                    <a:p>
+                      <a:pPr algn="ctr" rtl="0" fontAlgn="t">
+                        <a:spcBef>
+                          <a:spcPts val="0"/>
+                        </a:spcBef>
+                        <a:spcAft>
+                          <a:spcPts val="0"/>
+                        </a:spcAft>
+                      </a:pPr>
+                      <a:r>
+                        <a:rPr lang="de-DE" sz="1400" b="0" i="0" u="none" strike="noStrike">
+                          <a:solidFill>
+                            <a:srgbClr val="000000"/>
+                          </a:solidFill>
+                          <a:effectLst/>
+                          <a:latin typeface="Times New Roman" panose="02020603050405020304" pitchFamily="18" charset="0"/>
+                        </a:rPr>
+                        <a:t>0.817</a:t>
+                      </a:r>
+                      <a:endParaRPr lang="de-DE">
+                        <a:effectLst/>
+                      </a:endParaRPr>
+                    </a:p>
+                  </a:txBody>
+                  <a:tcPr marL="63500" marR="63500" marT="63500" marB="63500">
+                    <a:lnL w="12700" cap="flat" cmpd="sng" algn="ctr">
+                      <a:solidFill>
+                        <a:srgbClr val="000000"/>
+                      </a:solidFill>
+                      <a:prstDash val="solid"/>
+                      <a:round/>
+                      <a:headEnd type="none" w="med" len="med"/>
+                      <a:tailEnd type="none" w="med" len="med"/>
+                    </a:lnL>
+                    <a:lnR w="12700" cap="flat" cmpd="sng" algn="ctr">
+                      <a:solidFill>
+                        <a:srgbClr val="000000"/>
+                      </a:solidFill>
+                      <a:prstDash val="solid"/>
+                      <a:round/>
+                      <a:headEnd type="none" w="med" len="med"/>
+                      <a:tailEnd type="none" w="med" len="med"/>
+                    </a:lnR>
+                    <a:lnT w="12700" cap="flat" cmpd="sng" algn="ctr">
+                      <a:solidFill>
+                        <a:srgbClr val="000000"/>
+                      </a:solidFill>
+                      <a:prstDash val="solid"/>
+                      <a:round/>
+                      <a:headEnd type="none" w="med" len="med"/>
+                      <a:tailEnd type="none" w="med" len="med"/>
+                    </a:lnT>
+                    <a:lnB w="12700" cap="flat" cmpd="sng" algn="ctr">
+                      <a:solidFill>
+                        <a:srgbClr val="000000"/>
+                      </a:solidFill>
+                      <a:prstDash val="solid"/>
+                      <a:round/>
+                      <a:headEnd type="none" w="med" len="med"/>
+                      <a:tailEnd type="none" w="med" len="med"/>
+                    </a:lnB>
+                  </a:tcPr>
+                </a:tc>
+                <a:tc>
+                  <a:txBody>
+                    <a:bodyPr/>
+                    <a:lstStyle/>
+                    <a:p>
+                      <a:pPr algn="ctr" rtl="0" fontAlgn="t">
+                        <a:spcBef>
+                          <a:spcPts val="0"/>
+                        </a:spcBef>
+                        <a:spcAft>
+                          <a:spcPts val="0"/>
+                        </a:spcAft>
+                      </a:pPr>
+                      <a:r>
+                        <a:rPr lang="de-DE" sz="1400" b="0" i="0" u="none" strike="noStrike">
+                          <a:solidFill>
+                            <a:srgbClr val="000000"/>
+                          </a:solidFill>
+                          <a:effectLst/>
+                          <a:latin typeface="Times New Roman" panose="02020603050405020304" pitchFamily="18" charset="0"/>
+                        </a:rPr>
+                        <a:t>0.827</a:t>
+                      </a:r>
+                      <a:endParaRPr lang="de-DE">
+                        <a:effectLst/>
+                      </a:endParaRPr>
+                    </a:p>
+                  </a:txBody>
+                  <a:tcPr marL="63500" marR="63500" marT="63500" marB="63500">
+                    <a:lnL w="12700" cap="flat" cmpd="sng" algn="ctr">
+                      <a:solidFill>
+                        <a:srgbClr val="000000"/>
+                      </a:solidFill>
+                      <a:prstDash val="solid"/>
+                      <a:round/>
+                      <a:headEnd type="none" w="med" len="med"/>
+                      <a:tailEnd type="none" w="med" len="med"/>
+                    </a:lnL>
+                    <a:lnR w="12700" cap="flat" cmpd="sng" algn="ctr">
+                      <a:solidFill>
+                        <a:srgbClr val="000000"/>
+                      </a:solidFill>
+                      <a:prstDash val="solid"/>
+                      <a:round/>
+                      <a:headEnd type="none" w="med" len="med"/>
+                      <a:tailEnd type="none" w="med" len="med"/>
+                    </a:lnR>
+                    <a:lnT w="12700" cap="flat" cmpd="sng" algn="ctr">
+                      <a:solidFill>
+                        <a:srgbClr val="000000"/>
+                      </a:solidFill>
+                      <a:prstDash val="solid"/>
+                      <a:round/>
+                      <a:headEnd type="none" w="med" len="med"/>
+                      <a:tailEnd type="none" w="med" len="med"/>
+                    </a:lnT>
+                    <a:lnB w="12700" cap="flat" cmpd="sng" algn="ctr">
+                      <a:solidFill>
+                        <a:srgbClr val="000000"/>
+                      </a:solidFill>
+                      <a:prstDash val="solid"/>
+                      <a:round/>
+                      <a:headEnd type="none" w="med" len="med"/>
+                      <a:tailEnd type="none" w="med" len="med"/>
+                    </a:lnB>
+                  </a:tcPr>
+                </a:tc>
+                <a:tc>
+                  <a:txBody>
+                    <a:bodyPr/>
+                    <a:lstStyle/>
+                    <a:p>
+                      <a:pPr algn="ctr" rtl="0" fontAlgn="t">
+                        <a:spcBef>
+                          <a:spcPts val="0"/>
+                        </a:spcBef>
+                        <a:spcAft>
+                          <a:spcPts val="0"/>
+                        </a:spcAft>
+                      </a:pPr>
+                      <a:r>
+                        <a:rPr lang="de-DE" sz="1400" b="0" i="0" u="none" strike="noStrike">
+                          <a:solidFill>
+                            <a:srgbClr val="000000"/>
+                          </a:solidFill>
+                          <a:effectLst/>
+                          <a:latin typeface="Times New Roman" panose="02020603050405020304" pitchFamily="18" charset="0"/>
+                        </a:rPr>
+                        <a:t>0.007</a:t>
+                      </a:r>
+                      <a:endParaRPr lang="de-DE">
+                        <a:effectLst/>
+                      </a:endParaRPr>
+                    </a:p>
+                  </a:txBody>
+                  <a:tcPr marL="63500" marR="63500" marT="63500" marB="63500">
+                    <a:lnL w="12700" cap="flat" cmpd="sng" algn="ctr">
+                      <a:solidFill>
+                        <a:srgbClr val="000000"/>
+                      </a:solidFill>
+                      <a:prstDash val="solid"/>
+                      <a:round/>
+                      <a:headEnd type="none" w="med" len="med"/>
+                      <a:tailEnd type="none" w="med" len="med"/>
+                    </a:lnL>
+                    <a:lnR w="12700" cap="flat" cmpd="sng" algn="ctr">
+                      <a:solidFill>
+                        <a:srgbClr val="000000"/>
+                      </a:solidFill>
+                      <a:prstDash val="solid"/>
+                      <a:round/>
+                      <a:headEnd type="none" w="med" len="med"/>
+                      <a:tailEnd type="none" w="med" len="med"/>
+                    </a:lnR>
+                    <a:lnT w="12700" cap="flat" cmpd="sng" algn="ctr">
+                      <a:solidFill>
+                        <a:srgbClr val="000000"/>
+                      </a:solidFill>
+                      <a:prstDash val="solid"/>
+                      <a:round/>
+                      <a:headEnd type="none" w="med" len="med"/>
+                      <a:tailEnd type="none" w="med" len="med"/>
+                    </a:lnT>
+                    <a:lnB w="12700" cap="flat" cmpd="sng" algn="ctr">
+                      <a:solidFill>
+                        <a:srgbClr val="000000"/>
+                      </a:solidFill>
+                      <a:prstDash val="solid"/>
+                      <a:round/>
+                      <a:headEnd type="none" w="med" len="med"/>
+                      <a:tailEnd type="none" w="med" len="med"/>
+                    </a:lnB>
+                  </a:tcPr>
+                </a:tc>
+                <a:extLst>
+                  <a:ext uri="{0D108BD9-81ED-4DB2-BD59-A6C34878D82A}">
+                    <a16:rowId xmlns:a16="http://schemas.microsoft.com/office/drawing/2014/main" val="1287534207"/>
+                  </a:ext>
+                </a:extLst>
+              </a:tr>
+              <a:tr h="233281">
+                <a:tc>
+                  <a:txBody>
+                    <a:bodyPr/>
+                    <a:lstStyle/>
+                    <a:p>
+                      <a:pPr algn="ctr" rtl="0" fontAlgn="t">
+                        <a:spcBef>
+                          <a:spcPts val="0"/>
+                        </a:spcBef>
+                        <a:spcAft>
+                          <a:spcPts val="0"/>
+                        </a:spcAft>
+                      </a:pPr>
+                      <a:r>
+                        <a:rPr lang="de-DE" sz="1400" b="0" i="0" u="none" strike="noStrike">
+                          <a:solidFill>
+                            <a:srgbClr val="000000"/>
+                          </a:solidFill>
+                          <a:effectLst/>
+                          <a:latin typeface="Times New Roman" panose="02020603050405020304" pitchFamily="18" charset="0"/>
+                        </a:rPr>
+                        <a:t>First_Layer_Both</a:t>
+                      </a:r>
+                      <a:endParaRPr lang="de-DE">
+                        <a:effectLst/>
+                      </a:endParaRPr>
+                    </a:p>
+                  </a:txBody>
+                  <a:tcPr marL="63500" marR="63500" marT="63500" marB="63500">
+                    <a:lnL w="12700" cap="flat" cmpd="sng" algn="ctr">
+                      <a:solidFill>
+                        <a:srgbClr val="000000"/>
+                      </a:solidFill>
+                      <a:prstDash val="solid"/>
+                      <a:round/>
+                      <a:headEnd type="none" w="med" len="med"/>
+                      <a:tailEnd type="none" w="med" len="med"/>
+                    </a:lnL>
+                    <a:lnR w="12700" cap="flat" cmpd="sng" algn="ctr">
+                      <a:solidFill>
+                        <a:srgbClr val="000000"/>
+                      </a:solidFill>
+                      <a:prstDash val="solid"/>
+                      <a:round/>
+                      <a:headEnd type="none" w="med" len="med"/>
+                      <a:tailEnd type="none" w="med" len="med"/>
+                    </a:lnR>
+                    <a:lnT w="12700" cap="flat" cmpd="sng" algn="ctr">
+                      <a:solidFill>
+                        <a:srgbClr val="000000"/>
+                      </a:solidFill>
+                      <a:prstDash val="solid"/>
+                      <a:round/>
+                      <a:headEnd type="none" w="med" len="med"/>
+                      <a:tailEnd type="none" w="med" len="med"/>
+                    </a:lnT>
+                    <a:lnB w="12700" cap="flat" cmpd="sng" algn="ctr">
+                      <a:solidFill>
+                        <a:srgbClr val="000000"/>
+                      </a:solidFill>
+                      <a:prstDash val="solid"/>
+                      <a:round/>
+                      <a:headEnd type="none" w="med" len="med"/>
+                      <a:tailEnd type="none" w="med" len="med"/>
+                    </a:lnB>
+                  </a:tcPr>
+                </a:tc>
+                <a:tc>
+                  <a:txBody>
+                    <a:bodyPr/>
+                    <a:lstStyle/>
+                    <a:p>
+                      <a:pPr algn="ctr" rtl="0" fontAlgn="t">
+                        <a:spcBef>
+                          <a:spcPts val="0"/>
+                        </a:spcBef>
+                        <a:spcAft>
+                          <a:spcPts val="0"/>
+                        </a:spcAft>
+                      </a:pPr>
+                      <a:r>
+                        <a:rPr lang="de-DE" sz="1400" b="0" i="0" u="none" strike="noStrike">
+                          <a:solidFill>
+                            <a:srgbClr val="000000"/>
+                          </a:solidFill>
+                          <a:effectLst/>
+                          <a:latin typeface="Times New Roman" panose="02020603050405020304" pitchFamily="18" charset="0"/>
+                        </a:rPr>
+                        <a:t>0.825</a:t>
+                      </a:r>
+                      <a:endParaRPr lang="de-DE">
+                        <a:effectLst/>
+                      </a:endParaRPr>
+                    </a:p>
+                  </a:txBody>
+                  <a:tcPr marL="63500" marR="63500" marT="63500" marB="63500">
+                    <a:lnL w="12700" cap="flat" cmpd="sng" algn="ctr">
+                      <a:solidFill>
+                        <a:srgbClr val="000000"/>
+                      </a:solidFill>
+                      <a:prstDash val="solid"/>
+                      <a:round/>
+                      <a:headEnd type="none" w="med" len="med"/>
+                      <a:tailEnd type="none" w="med" len="med"/>
+                    </a:lnL>
+                    <a:lnR w="12700" cap="flat" cmpd="sng" algn="ctr">
+                      <a:solidFill>
+                        <a:srgbClr val="000000"/>
+                      </a:solidFill>
+                      <a:prstDash val="solid"/>
+                      <a:round/>
+                      <a:headEnd type="none" w="med" len="med"/>
+                      <a:tailEnd type="none" w="med" len="med"/>
+                    </a:lnR>
+                    <a:lnT w="12700" cap="flat" cmpd="sng" algn="ctr">
+                      <a:solidFill>
+                        <a:srgbClr val="000000"/>
+                      </a:solidFill>
+                      <a:prstDash val="solid"/>
+                      <a:round/>
+                      <a:headEnd type="none" w="med" len="med"/>
+                      <a:tailEnd type="none" w="med" len="med"/>
+                    </a:lnT>
+                    <a:lnB w="12700" cap="flat" cmpd="sng" algn="ctr">
+                      <a:solidFill>
+                        <a:srgbClr val="000000"/>
+                      </a:solidFill>
+                      <a:prstDash val="solid"/>
+                      <a:round/>
+                      <a:headEnd type="none" w="med" len="med"/>
+                      <a:tailEnd type="none" w="med" len="med"/>
+                    </a:lnB>
+                  </a:tcPr>
+                </a:tc>
+                <a:tc>
+                  <a:txBody>
+                    <a:bodyPr/>
+                    <a:lstStyle/>
+                    <a:p>
+                      <a:pPr algn="ctr" rtl="0" fontAlgn="t">
+                        <a:spcBef>
+                          <a:spcPts val="0"/>
+                        </a:spcBef>
+                        <a:spcAft>
+                          <a:spcPts val="0"/>
+                        </a:spcAft>
+                      </a:pPr>
+                      <a:r>
+                        <a:rPr lang="de-DE" sz="1400" b="0" i="0" u="none" strike="noStrike">
+                          <a:solidFill>
+                            <a:srgbClr val="000000"/>
+                          </a:solidFill>
+                          <a:effectLst/>
+                          <a:latin typeface="Times New Roman" panose="02020603050405020304" pitchFamily="18" charset="0"/>
+                        </a:rPr>
+                        <a:t>0.832</a:t>
+                      </a:r>
+                      <a:endParaRPr lang="de-DE">
+                        <a:effectLst/>
+                      </a:endParaRPr>
+                    </a:p>
+                  </a:txBody>
+                  <a:tcPr marL="63500" marR="63500" marT="63500" marB="63500">
+                    <a:lnL w="12700" cap="flat" cmpd="sng" algn="ctr">
+                      <a:solidFill>
+                        <a:srgbClr val="000000"/>
+                      </a:solidFill>
+                      <a:prstDash val="solid"/>
+                      <a:round/>
+                      <a:headEnd type="none" w="med" len="med"/>
+                      <a:tailEnd type="none" w="med" len="med"/>
+                    </a:lnL>
+                    <a:lnR w="12700" cap="flat" cmpd="sng" algn="ctr">
+                      <a:solidFill>
+                        <a:srgbClr val="000000"/>
+                      </a:solidFill>
+                      <a:prstDash val="solid"/>
+                      <a:round/>
+                      <a:headEnd type="none" w="med" len="med"/>
+                      <a:tailEnd type="none" w="med" len="med"/>
+                    </a:lnR>
+                    <a:lnT w="12700" cap="flat" cmpd="sng" algn="ctr">
+                      <a:solidFill>
+                        <a:srgbClr val="000000"/>
+                      </a:solidFill>
+                      <a:prstDash val="solid"/>
+                      <a:round/>
+                      <a:headEnd type="none" w="med" len="med"/>
+                      <a:tailEnd type="none" w="med" len="med"/>
+                    </a:lnT>
+                    <a:lnB w="12700" cap="flat" cmpd="sng" algn="ctr">
+                      <a:solidFill>
+                        <a:srgbClr val="000000"/>
+                      </a:solidFill>
+                      <a:prstDash val="solid"/>
+                      <a:round/>
+                      <a:headEnd type="none" w="med" len="med"/>
+                      <a:tailEnd type="none" w="med" len="med"/>
+                    </a:lnB>
+                  </a:tcPr>
+                </a:tc>
+                <a:tc>
+                  <a:txBody>
+                    <a:bodyPr/>
+                    <a:lstStyle/>
+                    <a:p>
+                      <a:pPr algn="ctr" rtl="0" fontAlgn="t">
+                        <a:spcBef>
+                          <a:spcPts val="0"/>
+                        </a:spcBef>
+                        <a:spcAft>
+                          <a:spcPts val="0"/>
+                        </a:spcAft>
+                      </a:pPr>
+                      <a:r>
+                        <a:rPr lang="de-DE" sz="1400" b="0" i="0" u="none" strike="noStrike">
+                          <a:solidFill>
+                            <a:srgbClr val="000000"/>
+                          </a:solidFill>
+                          <a:effectLst/>
+                          <a:latin typeface="Times New Roman" panose="02020603050405020304" pitchFamily="18" charset="0"/>
+                        </a:rPr>
+                        <a:t>0.005</a:t>
+                      </a:r>
+                      <a:endParaRPr lang="de-DE">
+                        <a:effectLst/>
+                      </a:endParaRPr>
+                    </a:p>
+                  </a:txBody>
+                  <a:tcPr marL="63500" marR="63500" marT="63500" marB="63500">
+                    <a:lnL w="12700" cap="flat" cmpd="sng" algn="ctr">
+                      <a:solidFill>
+                        <a:srgbClr val="000000"/>
+                      </a:solidFill>
+                      <a:prstDash val="solid"/>
+                      <a:round/>
+                      <a:headEnd type="none" w="med" len="med"/>
+                      <a:tailEnd type="none" w="med" len="med"/>
+                    </a:lnL>
+                    <a:lnR w="12700" cap="flat" cmpd="sng" algn="ctr">
+                      <a:solidFill>
+                        <a:srgbClr val="000000"/>
+                      </a:solidFill>
+                      <a:prstDash val="solid"/>
+                      <a:round/>
+                      <a:headEnd type="none" w="med" len="med"/>
+                      <a:tailEnd type="none" w="med" len="med"/>
+                    </a:lnR>
+                    <a:lnT w="12700" cap="flat" cmpd="sng" algn="ctr">
+                      <a:solidFill>
+                        <a:srgbClr val="000000"/>
+                      </a:solidFill>
+                      <a:prstDash val="solid"/>
+                      <a:round/>
+                      <a:headEnd type="none" w="med" len="med"/>
+                      <a:tailEnd type="none" w="med" len="med"/>
+                    </a:lnT>
+                    <a:lnB w="12700" cap="flat" cmpd="sng" algn="ctr">
+                      <a:solidFill>
+                        <a:srgbClr val="000000"/>
+                      </a:solidFill>
+                      <a:prstDash val="solid"/>
+                      <a:round/>
+                      <a:headEnd type="none" w="med" len="med"/>
+                      <a:tailEnd type="none" w="med" len="med"/>
+                    </a:lnB>
+                  </a:tcPr>
+                </a:tc>
+                <a:extLst>
+                  <a:ext uri="{0D108BD9-81ED-4DB2-BD59-A6C34878D82A}">
+                    <a16:rowId xmlns:a16="http://schemas.microsoft.com/office/drawing/2014/main" val="1159400343"/>
+                  </a:ext>
+                </a:extLst>
+              </a:tr>
+              <a:tr h="233281">
+                <a:tc>
+                  <a:txBody>
+                    <a:bodyPr/>
+                    <a:lstStyle/>
+                    <a:p>
+                      <a:pPr algn="ctr" rtl="0" fontAlgn="t">
+                        <a:spcBef>
+                          <a:spcPts val="0"/>
+                        </a:spcBef>
+                        <a:spcAft>
+                          <a:spcPts val="0"/>
+                        </a:spcAft>
+                      </a:pPr>
+                      <a:r>
+                        <a:rPr lang="de-DE" sz="1400" b="0" i="0" u="none" strike="noStrike">
+                          <a:solidFill>
+                            <a:srgbClr val="000000"/>
+                          </a:solidFill>
+                          <a:effectLst/>
+                          <a:latin typeface="Times New Roman" panose="02020603050405020304" pitchFamily="18" charset="0"/>
+                        </a:rPr>
+                        <a:t>Second_Layer_Prune</a:t>
+                      </a:r>
+                      <a:endParaRPr lang="de-DE">
+                        <a:effectLst/>
+                      </a:endParaRPr>
+                    </a:p>
+                  </a:txBody>
+                  <a:tcPr marL="63500" marR="63500" marT="63500" marB="63500">
+                    <a:lnL w="12700" cap="flat" cmpd="sng" algn="ctr">
+                      <a:solidFill>
+                        <a:srgbClr val="000000"/>
+                      </a:solidFill>
+                      <a:prstDash val="solid"/>
+                      <a:round/>
+                      <a:headEnd type="none" w="med" len="med"/>
+                      <a:tailEnd type="none" w="med" len="med"/>
+                    </a:lnL>
+                    <a:lnR w="12700" cap="flat" cmpd="sng" algn="ctr">
+                      <a:solidFill>
+                        <a:srgbClr val="000000"/>
+                      </a:solidFill>
+                      <a:prstDash val="solid"/>
+                      <a:round/>
+                      <a:headEnd type="none" w="med" len="med"/>
+                      <a:tailEnd type="none" w="med" len="med"/>
+                    </a:lnR>
+                    <a:lnT w="12700" cap="flat" cmpd="sng" algn="ctr">
+                      <a:solidFill>
+                        <a:srgbClr val="000000"/>
+                      </a:solidFill>
+                      <a:prstDash val="solid"/>
+                      <a:round/>
+                      <a:headEnd type="none" w="med" len="med"/>
+                      <a:tailEnd type="none" w="med" len="med"/>
+                    </a:lnT>
+                    <a:lnB w="12700" cap="flat" cmpd="sng" algn="ctr">
+                      <a:solidFill>
+                        <a:srgbClr val="000000"/>
+                      </a:solidFill>
+                      <a:prstDash val="solid"/>
+                      <a:round/>
+                      <a:headEnd type="none" w="med" len="med"/>
+                      <a:tailEnd type="none" w="med" len="med"/>
+                    </a:lnB>
+                  </a:tcPr>
+                </a:tc>
+                <a:tc>
+                  <a:txBody>
+                    <a:bodyPr/>
+                    <a:lstStyle/>
+                    <a:p>
+                      <a:pPr algn="ctr" rtl="0" fontAlgn="t">
+                        <a:spcBef>
+                          <a:spcPts val="0"/>
+                        </a:spcBef>
+                        <a:spcAft>
+                          <a:spcPts val="0"/>
+                        </a:spcAft>
+                      </a:pPr>
+                      <a:r>
+                        <a:rPr lang="de-DE" sz="1400" b="0" i="0" u="none" strike="noStrike">
+                          <a:solidFill>
+                            <a:srgbClr val="000000"/>
+                          </a:solidFill>
+                          <a:effectLst/>
+                          <a:latin typeface="Times New Roman" panose="02020603050405020304" pitchFamily="18" charset="0"/>
+                        </a:rPr>
+                        <a:t>0.822</a:t>
+                      </a:r>
+                      <a:endParaRPr lang="de-DE">
+                        <a:effectLst/>
+                      </a:endParaRPr>
+                    </a:p>
+                  </a:txBody>
+                  <a:tcPr marL="63500" marR="63500" marT="63500" marB="63500">
+                    <a:lnL w="12700" cap="flat" cmpd="sng" algn="ctr">
+                      <a:solidFill>
+                        <a:srgbClr val="000000"/>
+                      </a:solidFill>
+                      <a:prstDash val="solid"/>
+                      <a:round/>
+                      <a:headEnd type="none" w="med" len="med"/>
+                      <a:tailEnd type="none" w="med" len="med"/>
+                    </a:lnL>
+                    <a:lnR w="12700" cap="flat" cmpd="sng" algn="ctr">
+                      <a:solidFill>
+                        <a:srgbClr val="000000"/>
+                      </a:solidFill>
+                      <a:prstDash val="solid"/>
+                      <a:round/>
+                      <a:headEnd type="none" w="med" len="med"/>
+                      <a:tailEnd type="none" w="med" len="med"/>
+                    </a:lnR>
+                    <a:lnT w="12700" cap="flat" cmpd="sng" algn="ctr">
+                      <a:solidFill>
+                        <a:srgbClr val="000000"/>
+                      </a:solidFill>
+                      <a:prstDash val="solid"/>
+                      <a:round/>
+                      <a:headEnd type="none" w="med" len="med"/>
+                      <a:tailEnd type="none" w="med" len="med"/>
+                    </a:lnT>
+                    <a:lnB w="12700" cap="flat" cmpd="sng" algn="ctr">
+                      <a:solidFill>
+                        <a:srgbClr val="000000"/>
+                      </a:solidFill>
+                      <a:prstDash val="solid"/>
+                      <a:round/>
+                      <a:headEnd type="none" w="med" len="med"/>
+                      <a:tailEnd type="none" w="med" len="med"/>
+                    </a:lnB>
+                  </a:tcPr>
+                </a:tc>
+                <a:tc>
+                  <a:txBody>
+                    <a:bodyPr/>
+                    <a:lstStyle/>
+                    <a:p>
+                      <a:pPr algn="ctr" rtl="0" fontAlgn="t">
+                        <a:spcBef>
+                          <a:spcPts val="0"/>
+                        </a:spcBef>
+                        <a:spcAft>
+                          <a:spcPts val="0"/>
+                        </a:spcAft>
+                      </a:pPr>
+                      <a:r>
+                        <a:rPr lang="de-DE" sz="1400" b="0" i="0" u="none" strike="noStrike">
+                          <a:solidFill>
+                            <a:srgbClr val="000000"/>
+                          </a:solidFill>
+                          <a:effectLst/>
+                          <a:latin typeface="Times New Roman" panose="02020603050405020304" pitchFamily="18" charset="0"/>
+                        </a:rPr>
+                        <a:t>0.832</a:t>
+                      </a:r>
+                      <a:endParaRPr lang="de-DE">
+                        <a:effectLst/>
+                      </a:endParaRPr>
+                    </a:p>
+                  </a:txBody>
+                  <a:tcPr marL="63500" marR="63500" marT="63500" marB="63500">
+                    <a:lnL w="12700" cap="flat" cmpd="sng" algn="ctr">
+                      <a:solidFill>
+                        <a:srgbClr val="000000"/>
+                      </a:solidFill>
+                      <a:prstDash val="solid"/>
+                      <a:round/>
+                      <a:headEnd type="none" w="med" len="med"/>
+                      <a:tailEnd type="none" w="med" len="med"/>
+                    </a:lnL>
+                    <a:lnR w="12700" cap="flat" cmpd="sng" algn="ctr">
+                      <a:solidFill>
+                        <a:srgbClr val="000000"/>
+                      </a:solidFill>
+                      <a:prstDash val="solid"/>
+                      <a:round/>
+                      <a:headEnd type="none" w="med" len="med"/>
+                      <a:tailEnd type="none" w="med" len="med"/>
+                    </a:lnR>
+                    <a:lnT w="12700" cap="flat" cmpd="sng" algn="ctr">
+                      <a:solidFill>
+                        <a:srgbClr val="000000"/>
+                      </a:solidFill>
+                      <a:prstDash val="solid"/>
+                      <a:round/>
+                      <a:headEnd type="none" w="med" len="med"/>
+                      <a:tailEnd type="none" w="med" len="med"/>
+                    </a:lnT>
+                    <a:lnB w="12700" cap="flat" cmpd="sng" algn="ctr">
+                      <a:solidFill>
+                        <a:srgbClr val="000000"/>
+                      </a:solidFill>
+                      <a:prstDash val="solid"/>
+                      <a:round/>
+                      <a:headEnd type="none" w="med" len="med"/>
+                      <a:tailEnd type="none" w="med" len="med"/>
+                    </a:lnB>
+                  </a:tcPr>
+                </a:tc>
+                <a:tc>
+                  <a:txBody>
+                    <a:bodyPr/>
+                    <a:lstStyle/>
+                    <a:p>
+                      <a:pPr algn="ctr" rtl="0" fontAlgn="t">
+                        <a:spcBef>
+                          <a:spcPts val="0"/>
+                        </a:spcBef>
+                        <a:spcAft>
+                          <a:spcPts val="0"/>
+                        </a:spcAft>
+                      </a:pPr>
+                      <a:r>
+                        <a:rPr lang="de-DE" sz="1400" b="0" i="0" u="none" strike="noStrike">
+                          <a:solidFill>
+                            <a:srgbClr val="000000"/>
+                          </a:solidFill>
+                          <a:effectLst/>
+                          <a:latin typeface="Times New Roman" panose="02020603050405020304" pitchFamily="18" charset="0"/>
+                        </a:rPr>
+                        <a:t>0.006</a:t>
+                      </a:r>
+                      <a:endParaRPr lang="de-DE">
+                        <a:effectLst/>
+                      </a:endParaRPr>
+                    </a:p>
+                  </a:txBody>
+                  <a:tcPr marL="63500" marR="63500" marT="63500" marB="63500">
+                    <a:lnL w="12700" cap="flat" cmpd="sng" algn="ctr">
+                      <a:solidFill>
+                        <a:srgbClr val="000000"/>
+                      </a:solidFill>
+                      <a:prstDash val="solid"/>
+                      <a:round/>
+                      <a:headEnd type="none" w="med" len="med"/>
+                      <a:tailEnd type="none" w="med" len="med"/>
+                    </a:lnL>
+                    <a:lnR w="12700" cap="flat" cmpd="sng" algn="ctr">
+                      <a:solidFill>
+                        <a:srgbClr val="000000"/>
+                      </a:solidFill>
+                      <a:prstDash val="solid"/>
+                      <a:round/>
+                      <a:headEnd type="none" w="med" len="med"/>
+                      <a:tailEnd type="none" w="med" len="med"/>
+                    </a:lnR>
+                    <a:lnT w="12700" cap="flat" cmpd="sng" algn="ctr">
+                      <a:solidFill>
+                        <a:srgbClr val="000000"/>
+                      </a:solidFill>
+                      <a:prstDash val="solid"/>
+                      <a:round/>
+                      <a:headEnd type="none" w="med" len="med"/>
+                      <a:tailEnd type="none" w="med" len="med"/>
+                    </a:lnT>
+                    <a:lnB w="12700" cap="flat" cmpd="sng" algn="ctr">
+                      <a:solidFill>
+                        <a:srgbClr val="000000"/>
+                      </a:solidFill>
+                      <a:prstDash val="solid"/>
+                      <a:round/>
+                      <a:headEnd type="none" w="med" len="med"/>
+                      <a:tailEnd type="none" w="med" len="med"/>
+                    </a:lnB>
+                  </a:tcPr>
+                </a:tc>
+                <a:extLst>
+                  <a:ext uri="{0D108BD9-81ED-4DB2-BD59-A6C34878D82A}">
+                    <a16:rowId xmlns:a16="http://schemas.microsoft.com/office/drawing/2014/main" val="830679511"/>
+                  </a:ext>
+                </a:extLst>
+              </a:tr>
+              <a:tr h="233281">
+                <a:tc>
+                  <a:txBody>
+                    <a:bodyPr/>
+                    <a:lstStyle/>
+                    <a:p>
+                      <a:pPr algn="ctr" rtl="0" fontAlgn="t">
+                        <a:spcBef>
+                          <a:spcPts val="0"/>
+                        </a:spcBef>
+                        <a:spcAft>
+                          <a:spcPts val="0"/>
+                        </a:spcAft>
+                      </a:pPr>
+                      <a:r>
+                        <a:rPr lang="de-DE" sz="1400" b="0" i="0" u="none" strike="noStrike">
+                          <a:solidFill>
+                            <a:srgbClr val="000000"/>
+                          </a:solidFill>
+                          <a:effectLst/>
+                          <a:latin typeface="Times New Roman" panose="02020603050405020304" pitchFamily="18" charset="0"/>
+                        </a:rPr>
+                        <a:t>Second_Layer_add</a:t>
+                      </a:r>
+                      <a:endParaRPr lang="de-DE">
+                        <a:effectLst/>
+                      </a:endParaRPr>
+                    </a:p>
+                  </a:txBody>
+                  <a:tcPr marL="63500" marR="63500" marT="63500" marB="63500">
+                    <a:lnL w="12700" cap="flat" cmpd="sng" algn="ctr">
+                      <a:solidFill>
+                        <a:srgbClr val="000000"/>
+                      </a:solidFill>
+                      <a:prstDash val="solid"/>
+                      <a:round/>
+                      <a:headEnd type="none" w="med" len="med"/>
+                      <a:tailEnd type="none" w="med" len="med"/>
+                    </a:lnL>
+                    <a:lnR w="12700" cap="flat" cmpd="sng" algn="ctr">
+                      <a:solidFill>
+                        <a:srgbClr val="000000"/>
+                      </a:solidFill>
+                      <a:prstDash val="solid"/>
+                      <a:round/>
+                      <a:headEnd type="none" w="med" len="med"/>
+                      <a:tailEnd type="none" w="med" len="med"/>
+                    </a:lnR>
+                    <a:lnT w="12700" cap="flat" cmpd="sng" algn="ctr">
+                      <a:solidFill>
+                        <a:srgbClr val="000000"/>
+                      </a:solidFill>
+                      <a:prstDash val="solid"/>
+                      <a:round/>
+                      <a:headEnd type="none" w="med" len="med"/>
+                      <a:tailEnd type="none" w="med" len="med"/>
+                    </a:lnT>
+                    <a:lnB w="12700" cap="flat" cmpd="sng" algn="ctr">
+                      <a:solidFill>
+                        <a:srgbClr val="000000"/>
+                      </a:solidFill>
+                      <a:prstDash val="solid"/>
+                      <a:round/>
+                      <a:headEnd type="none" w="med" len="med"/>
+                      <a:tailEnd type="none" w="med" len="med"/>
+                    </a:lnB>
+                  </a:tcPr>
+                </a:tc>
+                <a:tc>
+                  <a:txBody>
+                    <a:bodyPr/>
+                    <a:lstStyle/>
+                    <a:p>
+                      <a:pPr algn="ctr" rtl="0" fontAlgn="t">
+                        <a:spcBef>
+                          <a:spcPts val="0"/>
+                        </a:spcBef>
+                        <a:spcAft>
+                          <a:spcPts val="0"/>
+                        </a:spcAft>
+                      </a:pPr>
+                      <a:r>
+                        <a:rPr lang="de-DE" sz="1400" b="0" i="0" u="none" strike="noStrike">
+                          <a:solidFill>
+                            <a:srgbClr val="000000"/>
+                          </a:solidFill>
+                          <a:effectLst/>
+                          <a:latin typeface="Times New Roman" panose="02020603050405020304" pitchFamily="18" charset="0"/>
+                        </a:rPr>
+                        <a:t>0.816</a:t>
+                      </a:r>
+                      <a:endParaRPr lang="de-DE">
+                        <a:effectLst/>
+                      </a:endParaRPr>
+                    </a:p>
+                  </a:txBody>
+                  <a:tcPr marL="63500" marR="63500" marT="63500" marB="63500">
+                    <a:lnL w="12700" cap="flat" cmpd="sng" algn="ctr">
+                      <a:solidFill>
+                        <a:srgbClr val="000000"/>
+                      </a:solidFill>
+                      <a:prstDash val="solid"/>
+                      <a:round/>
+                      <a:headEnd type="none" w="med" len="med"/>
+                      <a:tailEnd type="none" w="med" len="med"/>
+                    </a:lnL>
+                    <a:lnR w="12700" cap="flat" cmpd="sng" algn="ctr">
+                      <a:solidFill>
+                        <a:srgbClr val="000000"/>
+                      </a:solidFill>
+                      <a:prstDash val="solid"/>
+                      <a:round/>
+                      <a:headEnd type="none" w="med" len="med"/>
+                      <a:tailEnd type="none" w="med" len="med"/>
+                    </a:lnR>
+                    <a:lnT w="12700" cap="flat" cmpd="sng" algn="ctr">
+                      <a:solidFill>
+                        <a:srgbClr val="000000"/>
+                      </a:solidFill>
+                      <a:prstDash val="solid"/>
+                      <a:round/>
+                      <a:headEnd type="none" w="med" len="med"/>
+                      <a:tailEnd type="none" w="med" len="med"/>
+                    </a:lnT>
+                    <a:lnB w="12700" cap="flat" cmpd="sng" algn="ctr">
+                      <a:solidFill>
+                        <a:srgbClr val="000000"/>
+                      </a:solidFill>
+                      <a:prstDash val="solid"/>
+                      <a:round/>
+                      <a:headEnd type="none" w="med" len="med"/>
+                      <a:tailEnd type="none" w="med" len="med"/>
+                    </a:lnB>
+                  </a:tcPr>
+                </a:tc>
+                <a:tc>
+                  <a:txBody>
+                    <a:bodyPr/>
+                    <a:lstStyle/>
+                    <a:p>
+                      <a:pPr algn="ctr" rtl="0" fontAlgn="t">
+                        <a:spcBef>
+                          <a:spcPts val="0"/>
+                        </a:spcBef>
+                        <a:spcAft>
+                          <a:spcPts val="0"/>
+                        </a:spcAft>
+                      </a:pPr>
+                      <a:r>
+                        <a:rPr lang="de-DE" sz="1400" b="0" i="0" u="none" strike="noStrike">
+                          <a:solidFill>
+                            <a:srgbClr val="000000"/>
+                          </a:solidFill>
+                          <a:effectLst/>
+                          <a:latin typeface="Times New Roman" panose="02020603050405020304" pitchFamily="18" charset="0"/>
+                        </a:rPr>
+                        <a:t>0.826</a:t>
+                      </a:r>
+                      <a:endParaRPr lang="de-DE">
+                        <a:effectLst/>
+                      </a:endParaRPr>
+                    </a:p>
+                  </a:txBody>
+                  <a:tcPr marL="63500" marR="63500" marT="63500" marB="63500">
+                    <a:lnL w="12700" cap="flat" cmpd="sng" algn="ctr">
+                      <a:solidFill>
+                        <a:srgbClr val="000000"/>
+                      </a:solidFill>
+                      <a:prstDash val="solid"/>
+                      <a:round/>
+                      <a:headEnd type="none" w="med" len="med"/>
+                      <a:tailEnd type="none" w="med" len="med"/>
+                    </a:lnL>
+                    <a:lnR w="12700" cap="flat" cmpd="sng" algn="ctr">
+                      <a:solidFill>
+                        <a:srgbClr val="000000"/>
+                      </a:solidFill>
+                      <a:prstDash val="solid"/>
+                      <a:round/>
+                      <a:headEnd type="none" w="med" len="med"/>
+                      <a:tailEnd type="none" w="med" len="med"/>
+                    </a:lnR>
+                    <a:lnT w="12700" cap="flat" cmpd="sng" algn="ctr">
+                      <a:solidFill>
+                        <a:srgbClr val="000000"/>
+                      </a:solidFill>
+                      <a:prstDash val="solid"/>
+                      <a:round/>
+                      <a:headEnd type="none" w="med" len="med"/>
+                      <a:tailEnd type="none" w="med" len="med"/>
+                    </a:lnT>
+                    <a:lnB w="12700" cap="flat" cmpd="sng" algn="ctr">
+                      <a:solidFill>
+                        <a:srgbClr val="000000"/>
+                      </a:solidFill>
+                      <a:prstDash val="solid"/>
+                      <a:round/>
+                      <a:headEnd type="none" w="med" len="med"/>
+                      <a:tailEnd type="none" w="med" len="med"/>
+                    </a:lnB>
+                  </a:tcPr>
+                </a:tc>
+                <a:tc>
+                  <a:txBody>
+                    <a:bodyPr/>
+                    <a:lstStyle/>
+                    <a:p>
+                      <a:pPr algn="ctr" rtl="0" fontAlgn="t">
+                        <a:spcBef>
+                          <a:spcPts val="0"/>
+                        </a:spcBef>
+                        <a:spcAft>
+                          <a:spcPts val="0"/>
+                        </a:spcAft>
+                      </a:pPr>
+                      <a:r>
+                        <a:rPr lang="de-DE" sz="1400" b="0" i="0" u="none" strike="noStrike">
+                          <a:solidFill>
+                            <a:srgbClr val="000000"/>
+                          </a:solidFill>
+                          <a:effectLst/>
+                          <a:latin typeface="Times New Roman" panose="02020603050405020304" pitchFamily="18" charset="0"/>
+                        </a:rPr>
+                        <a:t>0.007</a:t>
+                      </a:r>
+                      <a:endParaRPr lang="de-DE">
+                        <a:effectLst/>
+                      </a:endParaRPr>
+                    </a:p>
+                  </a:txBody>
+                  <a:tcPr marL="63500" marR="63500" marT="63500" marB="63500">
+                    <a:lnL w="12700" cap="flat" cmpd="sng" algn="ctr">
+                      <a:solidFill>
+                        <a:srgbClr val="000000"/>
+                      </a:solidFill>
+                      <a:prstDash val="solid"/>
+                      <a:round/>
+                      <a:headEnd type="none" w="med" len="med"/>
+                      <a:tailEnd type="none" w="med" len="med"/>
+                    </a:lnL>
+                    <a:lnR w="12700" cap="flat" cmpd="sng" algn="ctr">
+                      <a:solidFill>
+                        <a:srgbClr val="000000"/>
+                      </a:solidFill>
+                      <a:prstDash val="solid"/>
+                      <a:round/>
+                      <a:headEnd type="none" w="med" len="med"/>
+                      <a:tailEnd type="none" w="med" len="med"/>
+                    </a:lnR>
+                    <a:lnT w="12700" cap="flat" cmpd="sng" algn="ctr">
+                      <a:solidFill>
+                        <a:srgbClr val="000000"/>
+                      </a:solidFill>
+                      <a:prstDash val="solid"/>
+                      <a:round/>
+                      <a:headEnd type="none" w="med" len="med"/>
+                      <a:tailEnd type="none" w="med" len="med"/>
+                    </a:lnT>
+                    <a:lnB w="12700" cap="flat" cmpd="sng" algn="ctr">
+                      <a:solidFill>
+                        <a:srgbClr val="000000"/>
+                      </a:solidFill>
+                      <a:prstDash val="solid"/>
+                      <a:round/>
+                      <a:headEnd type="none" w="med" len="med"/>
+                      <a:tailEnd type="none" w="med" len="med"/>
+                    </a:lnB>
+                  </a:tcPr>
+                </a:tc>
+                <a:extLst>
+                  <a:ext uri="{0D108BD9-81ED-4DB2-BD59-A6C34878D82A}">
+                    <a16:rowId xmlns:a16="http://schemas.microsoft.com/office/drawing/2014/main" val="3042528829"/>
+                  </a:ext>
+                </a:extLst>
+              </a:tr>
+              <a:tr h="233281">
+                <a:tc>
+                  <a:txBody>
+                    <a:bodyPr/>
+                    <a:lstStyle/>
+                    <a:p>
+                      <a:pPr algn="ctr" rtl="0" fontAlgn="t">
+                        <a:spcBef>
+                          <a:spcPts val="0"/>
+                        </a:spcBef>
+                        <a:spcAft>
+                          <a:spcPts val="0"/>
+                        </a:spcAft>
+                      </a:pPr>
+                      <a:r>
+                        <a:rPr lang="de-DE" sz="1400" b="0" i="0" u="none" strike="noStrike">
+                          <a:solidFill>
+                            <a:srgbClr val="000000"/>
+                          </a:solidFill>
+                          <a:effectLst/>
+                          <a:latin typeface="Times New Roman" panose="02020603050405020304" pitchFamily="18" charset="0"/>
+                        </a:rPr>
+                        <a:t>Second_Layer_Both</a:t>
+                      </a:r>
+                      <a:endParaRPr lang="de-DE">
+                        <a:effectLst/>
+                      </a:endParaRPr>
+                    </a:p>
+                  </a:txBody>
+                  <a:tcPr marL="63500" marR="63500" marT="63500" marB="63500">
+                    <a:lnL w="12700" cap="flat" cmpd="sng" algn="ctr">
+                      <a:solidFill>
+                        <a:srgbClr val="000000"/>
+                      </a:solidFill>
+                      <a:prstDash val="solid"/>
+                      <a:round/>
+                      <a:headEnd type="none" w="med" len="med"/>
+                      <a:tailEnd type="none" w="med" len="med"/>
+                    </a:lnL>
+                    <a:lnR w="12700" cap="flat" cmpd="sng" algn="ctr">
+                      <a:solidFill>
+                        <a:srgbClr val="000000"/>
+                      </a:solidFill>
+                      <a:prstDash val="solid"/>
+                      <a:round/>
+                      <a:headEnd type="none" w="med" len="med"/>
+                      <a:tailEnd type="none" w="med" len="med"/>
+                    </a:lnR>
+                    <a:lnT w="12700" cap="flat" cmpd="sng" algn="ctr">
+                      <a:solidFill>
+                        <a:srgbClr val="000000"/>
+                      </a:solidFill>
+                      <a:prstDash val="solid"/>
+                      <a:round/>
+                      <a:headEnd type="none" w="med" len="med"/>
+                      <a:tailEnd type="none" w="med" len="med"/>
+                    </a:lnT>
+                    <a:lnB w="12700" cap="flat" cmpd="sng" algn="ctr">
+                      <a:solidFill>
+                        <a:srgbClr val="000000"/>
+                      </a:solidFill>
+                      <a:prstDash val="solid"/>
+                      <a:round/>
+                      <a:headEnd type="none" w="med" len="med"/>
+                      <a:tailEnd type="none" w="med" len="med"/>
+                    </a:lnB>
+                  </a:tcPr>
+                </a:tc>
+                <a:tc>
+                  <a:txBody>
+                    <a:bodyPr/>
+                    <a:lstStyle/>
+                    <a:p>
+                      <a:pPr algn="ctr" rtl="0" fontAlgn="t">
+                        <a:spcBef>
+                          <a:spcPts val="0"/>
+                        </a:spcBef>
+                        <a:spcAft>
+                          <a:spcPts val="0"/>
+                        </a:spcAft>
+                      </a:pPr>
+                      <a:r>
+                        <a:rPr lang="de-DE" sz="1400" b="0" i="0" u="none" strike="noStrike">
+                          <a:solidFill>
+                            <a:srgbClr val="000000"/>
+                          </a:solidFill>
+                          <a:effectLst/>
+                          <a:latin typeface="Times New Roman" panose="02020603050405020304" pitchFamily="18" charset="0"/>
+                        </a:rPr>
+                        <a:t>0.824</a:t>
+                      </a:r>
+                      <a:endParaRPr lang="de-DE">
+                        <a:effectLst/>
+                      </a:endParaRPr>
+                    </a:p>
+                  </a:txBody>
+                  <a:tcPr marL="63500" marR="63500" marT="63500" marB="63500">
+                    <a:lnL w="12700" cap="flat" cmpd="sng" algn="ctr">
+                      <a:solidFill>
+                        <a:srgbClr val="000000"/>
+                      </a:solidFill>
+                      <a:prstDash val="solid"/>
+                      <a:round/>
+                      <a:headEnd type="none" w="med" len="med"/>
+                      <a:tailEnd type="none" w="med" len="med"/>
+                    </a:lnL>
+                    <a:lnR w="12700" cap="flat" cmpd="sng" algn="ctr">
+                      <a:solidFill>
+                        <a:srgbClr val="000000"/>
+                      </a:solidFill>
+                      <a:prstDash val="solid"/>
+                      <a:round/>
+                      <a:headEnd type="none" w="med" len="med"/>
+                      <a:tailEnd type="none" w="med" len="med"/>
+                    </a:lnR>
+                    <a:lnT w="12700" cap="flat" cmpd="sng" algn="ctr">
+                      <a:solidFill>
+                        <a:srgbClr val="000000"/>
+                      </a:solidFill>
+                      <a:prstDash val="solid"/>
+                      <a:round/>
+                      <a:headEnd type="none" w="med" len="med"/>
+                      <a:tailEnd type="none" w="med" len="med"/>
+                    </a:lnT>
+                    <a:lnB w="12700" cap="flat" cmpd="sng" algn="ctr">
+                      <a:solidFill>
+                        <a:srgbClr val="000000"/>
+                      </a:solidFill>
+                      <a:prstDash val="solid"/>
+                      <a:round/>
+                      <a:headEnd type="none" w="med" len="med"/>
+                      <a:tailEnd type="none" w="med" len="med"/>
+                    </a:lnB>
+                  </a:tcPr>
+                </a:tc>
+                <a:tc>
+                  <a:txBody>
+                    <a:bodyPr/>
+                    <a:lstStyle/>
+                    <a:p>
+                      <a:pPr algn="ctr" rtl="0" fontAlgn="t">
+                        <a:spcBef>
+                          <a:spcPts val="0"/>
+                        </a:spcBef>
+                        <a:spcAft>
+                          <a:spcPts val="0"/>
+                        </a:spcAft>
+                      </a:pPr>
+                      <a:r>
+                        <a:rPr lang="de-DE" sz="1400" b="0" i="0" u="none" strike="noStrike">
+                          <a:solidFill>
+                            <a:srgbClr val="000000"/>
+                          </a:solidFill>
+                          <a:effectLst/>
+                          <a:latin typeface="Times New Roman" panose="02020603050405020304" pitchFamily="18" charset="0"/>
+                        </a:rPr>
+                        <a:t>0.833</a:t>
+                      </a:r>
+                      <a:endParaRPr lang="de-DE">
+                        <a:effectLst/>
+                      </a:endParaRPr>
+                    </a:p>
+                  </a:txBody>
+                  <a:tcPr marL="63500" marR="63500" marT="63500" marB="63500">
+                    <a:lnL w="12700" cap="flat" cmpd="sng" algn="ctr">
+                      <a:solidFill>
+                        <a:srgbClr val="000000"/>
+                      </a:solidFill>
+                      <a:prstDash val="solid"/>
+                      <a:round/>
+                      <a:headEnd type="none" w="med" len="med"/>
+                      <a:tailEnd type="none" w="med" len="med"/>
+                    </a:lnL>
+                    <a:lnR w="12700" cap="flat" cmpd="sng" algn="ctr">
+                      <a:solidFill>
+                        <a:srgbClr val="000000"/>
+                      </a:solidFill>
+                      <a:prstDash val="solid"/>
+                      <a:round/>
+                      <a:headEnd type="none" w="med" len="med"/>
+                      <a:tailEnd type="none" w="med" len="med"/>
+                    </a:lnR>
+                    <a:lnT w="12700" cap="flat" cmpd="sng" algn="ctr">
+                      <a:solidFill>
+                        <a:srgbClr val="000000"/>
+                      </a:solidFill>
+                      <a:prstDash val="solid"/>
+                      <a:round/>
+                      <a:headEnd type="none" w="med" len="med"/>
+                      <a:tailEnd type="none" w="med" len="med"/>
+                    </a:lnT>
+                    <a:lnB w="12700" cap="flat" cmpd="sng" algn="ctr">
+                      <a:solidFill>
+                        <a:srgbClr val="000000"/>
+                      </a:solidFill>
+                      <a:prstDash val="solid"/>
+                      <a:round/>
+                      <a:headEnd type="none" w="med" len="med"/>
+                      <a:tailEnd type="none" w="med" len="med"/>
+                    </a:lnB>
+                  </a:tcPr>
+                </a:tc>
+                <a:tc>
+                  <a:txBody>
+                    <a:bodyPr/>
+                    <a:lstStyle/>
+                    <a:p>
+                      <a:pPr algn="ctr" rtl="0" fontAlgn="t">
+                        <a:spcBef>
+                          <a:spcPts val="0"/>
+                        </a:spcBef>
+                        <a:spcAft>
+                          <a:spcPts val="0"/>
+                        </a:spcAft>
+                      </a:pPr>
+                      <a:r>
+                        <a:rPr lang="de-DE" sz="1400" b="0" i="0" u="none" strike="noStrike">
+                          <a:solidFill>
+                            <a:srgbClr val="000000"/>
+                          </a:solidFill>
+                          <a:effectLst/>
+                          <a:latin typeface="Times New Roman" panose="02020603050405020304" pitchFamily="18" charset="0"/>
+                        </a:rPr>
+                        <a:t>0.005</a:t>
+                      </a:r>
+                      <a:endParaRPr lang="de-DE">
+                        <a:effectLst/>
+                      </a:endParaRPr>
+                    </a:p>
+                  </a:txBody>
+                  <a:tcPr marL="63500" marR="63500" marT="63500" marB="63500">
+                    <a:lnL w="12700" cap="flat" cmpd="sng" algn="ctr">
+                      <a:solidFill>
+                        <a:srgbClr val="000000"/>
+                      </a:solidFill>
+                      <a:prstDash val="solid"/>
+                      <a:round/>
+                      <a:headEnd type="none" w="med" len="med"/>
+                      <a:tailEnd type="none" w="med" len="med"/>
+                    </a:lnL>
+                    <a:lnR w="12700" cap="flat" cmpd="sng" algn="ctr">
+                      <a:solidFill>
+                        <a:srgbClr val="000000"/>
+                      </a:solidFill>
+                      <a:prstDash val="solid"/>
+                      <a:round/>
+                      <a:headEnd type="none" w="med" len="med"/>
+                      <a:tailEnd type="none" w="med" len="med"/>
+                    </a:lnR>
+                    <a:lnT w="12700" cap="flat" cmpd="sng" algn="ctr">
+                      <a:solidFill>
+                        <a:srgbClr val="000000"/>
+                      </a:solidFill>
+                      <a:prstDash val="solid"/>
+                      <a:round/>
+                      <a:headEnd type="none" w="med" len="med"/>
+                      <a:tailEnd type="none" w="med" len="med"/>
+                    </a:lnT>
+                    <a:lnB w="12700" cap="flat" cmpd="sng" algn="ctr">
+                      <a:solidFill>
+                        <a:srgbClr val="000000"/>
+                      </a:solidFill>
+                      <a:prstDash val="solid"/>
+                      <a:round/>
+                      <a:headEnd type="none" w="med" len="med"/>
+                      <a:tailEnd type="none" w="med" len="med"/>
+                    </a:lnB>
+                  </a:tcPr>
+                </a:tc>
+                <a:extLst>
+                  <a:ext uri="{0D108BD9-81ED-4DB2-BD59-A6C34878D82A}">
+                    <a16:rowId xmlns:a16="http://schemas.microsoft.com/office/drawing/2014/main" val="2012359583"/>
+                  </a:ext>
+                </a:extLst>
+              </a:tr>
+              <a:tr h="233281">
+                <a:tc>
+                  <a:txBody>
+                    <a:bodyPr/>
+                    <a:lstStyle/>
+                    <a:p>
+                      <a:pPr algn="ctr" rtl="0" fontAlgn="t">
+                        <a:spcBef>
+                          <a:spcPts val="0"/>
+                        </a:spcBef>
+                        <a:spcAft>
+                          <a:spcPts val="0"/>
+                        </a:spcAft>
+                      </a:pPr>
+                      <a:r>
+                        <a:rPr lang="de-DE" sz="1400" b="0" i="0" u="none" strike="noStrike">
+                          <a:solidFill>
+                            <a:srgbClr val="000000"/>
+                          </a:solidFill>
+                          <a:effectLst/>
+                          <a:latin typeface="Times New Roman" panose="02020603050405020304" pitchFamily="18" charset="0"/>
+                        </a:rPr>
+                        <a:t>Both_Layers_Prune</a:t>
+                      </a:r>
+                      <a:endParaRPr lang="de-DE">
+                        <a:effectLst/>
+                      </a:endParaRPr>
+                    </a:p>
+                  </a:txBody>
+                  <a:tcPr marL="63500" marR="63500" marT="63500" marB="63500">
+                    <a:lnL w="12700" cap="flat" cmpd="sng" algn="ctr">
+                      <a:solidFill>
+                        <a:srgbClr val="000000"/>
+                      </a:solidFill>
+                      <a:prstDash val="solid"/>
+                      <a:round/>
+                      <a:headEnd type="none" w="med" len="med"/>
+                      <a:tailEnd type="none" w="med" len="med"/>
+                    </a:lnL>
+                    <a:lnR w="12700" cap="flat" cmpd="sng" algn="ctr">
+                      <a:solidFill>
+                        <a:srgbClr val="000000"/>
+                      </a:solidFill>
+                      <a:prstDash val="solid"/>
+                      <a:round/>
+                      <a:headEnd type="none" w="med" len="med"/>
+                      <a:tailEnd type="none" w="med" len="med"/>
+                    </a:lnR>
+                    <a:lnT w="12700" cap="flat" cmpd="sng" algn="ctr">
+                      <a:solidFill>
+                        <a:srgbClr val="000000"/>
+                      </a:solidFill>
+                      <a:prstDash val="solid"/>
+                      <a:round/>
+                      <a:headEnd type="none" w="med" len="med"/>
+                      <a:tailEnd type="none" w="med" len="med"/>
+                    </a:lnT>
+                    <a:lnB w="12700" cap="flat" cmpd="sng" algn="ctr">
+                      <a:solidFill>
+                        <a:srgbClr val="000000"/>
+                      </a:solidFill>
+                      <a:prstDash val="solid"/>
+                      <a:round/>
+                      <a:headEnd type="none" w="med" len="med"/>
+                      <a:tailEnd type="none" w="med" len="med"/>
+                    </a:lnB>
+                  </a:tcPr>
+                </a:tc>
+                <a:tc>
+                  <a:txBody>
+                    <a:bodyPr/>
+                    <a:lstStyle/>
+                    <a:p>
+                      <a:pPr algn="ctr" rtl="0" fontAlgn="t">
+                        <a:spcBef>
+                          <a:spcPts val="0"/>
+                        </a:spcBef>
+                        <a:spcAft>
+                          <a:spcPts val="0"/>
+                        </a:spcAft>
+                      </a:pPr>
+                      <a:r>
+                        <a:rPr lang="de-DE" sz="1400" b="0" i="0" u="none" strike="noStrike">
+                          <a:solidFill>
+                            <a:srgbClr val="000000"/>
+                          </a:solidFill>
+                          <a:effectLst/>
+                          <a:latin typeface="Times New Roman" panose="02020603050405020304" pitchFamily="18" charset="0"/>
+                        </a:rPr>
+                        <a:t>0.821</a:t>
+                      </a:r>
+                      <a:endParaRPr lang="de-DE">
+                        <a:effectLst/>
+                      </a:endParaRPr>
+                    </a:p>
+                  </a:txBody>
+                  <a:tcPr marL="63500" marR="63500" marT="63500" marB="63500">
+                    <a:lnL w="12700" cap="flat" cmpd="sng" algn="ctr">
+                      <a:solidFill>
+                        <a:srgbClr val="000000"/>
+                      </a:solidFill>
+                      <a:prstDash val="solid"/>
+                      <a:round/>
+                      <a:headEnd type="none" w="med" len="med"/>
+                      <a:tailEnd type="none" w="med" len="med"/>
+                    </a:lnL>
+                    <a:lnR w="12700" cap="flat" cmpd="sng" algn="ctr">
+                      <a:solidFill>
+                        <a:srgbClr val="000000"/>
+                      </a:solidFill>
+                      <a:prstDash val="solid"/>
+                      <a:round/>
+                      <a:headEnd type="none" w="med" len="med"/>
+                      <a:tailEnd type="none" w="med" len="med"/>
+                    </a:lnR>
+                    <a:lnT w="12700" cap="flat" cmpd="sng" algn="ctr">
+                      <a:solidFill>
+                        <a:srgbClr val="000000"/>
+                      </a:solidFill>
+                      <a:prstDash val="solid"/>
+                      <a:round/>
+                      <a:headEnd type="none" w="med" len="med"/>
+                      <a:tailEnd type="none" w="med" len="med"/>
+                    </a:lnT>
+                    <a:lnB w="12700" cap="flat" cmpd="sng" algn="ctr">
+                      <a:solidFill>
+                        <a:srgbClr val="000000"/>
+                      </a:solidFill>
+                      <a:prstDash val="solid"/>
+                      <a:round/>
+                      <a:headEnd type="none" w="med" len="med"/>
+                      <a:tailEnd type="none" w="med" len="med"/>
+                    </a:lnB>
+                  </a:tcPr>
+                </a:tc>
+                <a:tc>
+                  <a:txBody>
+                    <a:bodyPr/>
+                    <a:lstStyle/>
+                    <a:p>
+                      <a:pPr algn="ctr" rtl="0" fontAlgn="t">
+                        <a:spcBef>
+                          <a:spcPts val="0"/>
+                        </a:spcBef>
+                        <a:spcAft>
+                          <a:spcPts val="0"/>
+                        </a:spcAft>
+                      </a:pPr>
+                      <a:r>
+                        <a:rPr lang="de-DE" sz="1400" b="0" i="0" u="none" strike="noStrike">
+                          <a:solidFill>
+                            <a:srgbClr val="000000"/>
+                          </a:solidFill>
+                          <a:effectLst/>
+                          <a:latin typeface="Times New Roman" panose="02020603050405020304" pitchFamily="18" charset="0"/>
+                        </a:rPr>
+                        <a:t>0.832</a:t>
+                      </a:r>
+                      <a:endParaRPr lang="de-DE">
+                        <a:effectLst/>
+                      </a:endParaRPr>
+                    </a:p>
+                  </a:txBody>
+                  <a:tcPr marL="63500" marR="63500" marT="63500" marB="63500">
+                    <a:lnL w="12700" cap="flat" cmpd="sng" algn="ctr">
+                      <a:solidFill>
+                        <a:srgbClr val="000000"/>
+                      </a:solidFill>
+                      <a:prstDash val="solid"/>
+                      <a:round/>
+                      <a:headEnd type="none" w="med" len="med"/>
+                      <a:tailEnd type="none" w="med" len="med"/>
+                    </a:lnL>
+                    <a:lnR w="12700" cap="flat" cmpd="sng" algn="ctr">
+                      <a:solidFill>
+                        <a:srgbClr val="000000"/>
+                      </a:solidFill>
+                      <a:prstDash val="solid"/>
+                      <a:round/>
+                      <a:headEnd type="none" w="med" len="med"/>
+                      <a:tailEnd type="none" w="med" len="med"/>
+                    </a:lnR>
+                    <a:lnT w="12700" cap="flat" cmpd="sng" algn="ctr">
+                      <a:solidFill>
+                        <a:srgbClr val="000000"/>
+                      </a:solidFill>
+                      <a:prstDash val="solid"/>
+                      <a:round/>
+                      <a:headEnd type="none" w="med" len="med"/>
+                      <a:tailEnd type="none" w="med" len="med"/>
+                    </a:lnT>
+                    <a:lnB w="12700" cap="flat" cmpd="sng" algn="ctr">
+                      <a:solidFill>
+                        <a:srgbClr val="000000"/>
+                      </a:solidFill>
+                      <a:prstDash val="solid"/>
+                      <a:round/>
+                      <a:headEnd type="none" w="med" len="med"/>
+                      <a:tailEnd type="none" w="med" len="med"/>
+                    </a:lnB>
+                  </a:tcPr>
+                </a:tc>
+                <a:tc>
+                  <a:txBody>
+                    <a:bodyPr/>
+                    <a:lstStyle/>
+                    <a:p>
+                      <a:pPr algn="ctr" rtl="0" fontAlgn="t">
+                        <a:spcBef>
+                          <a:spcPts val="0"/>
+                        </a:spcBef>
+                        <a:spcAft>
+                          <a:spcPts val="0"/>
+                        </a:spcAft>
+                      </a:pPr>
+                      <a:r>
+                        <a:rPr lang="de-DE" sz="1400" b="0" i="0" u="none" strike="noStrike">
+                          <a:solidFill>
+                            <a:srgbClr val="000000"/>
+                          </a:solidFill>
+                          <a:effectLst/>
+                          <a:latin typeface="Times New Roman" panose="02020603050405020304" pitchFamily="18" charset="0"/>
+                        </a:rPr>
+                        <a:t>0.007</a:t>
+                      </a:r>
+                      <a:endParaRPr lang="de-DE">
+                        <a:effectLst/>
+                      </a:endParaRPr>
+                    </a:p>
+                  </a:txBody>
+                  <a:tcPr marL="63500" marR="63500" marT="63500" marB="63500">
+                    <a:lnL w="12700" cap="flat" cmpd="sng" algn="ctr">
+                      <a:solidFill>
+                        <a:srgbClr val="000000"/>
+                      </a:solidFill>
+                      <a:prstDash val="solid"/>
+                      <a:round/>
+                      <a:headEnd type="none" w="med" len="med"/>
+                      <a:tailEnd type="none" w="med" len="med"/>
+                    </a:lnL>
+                    <a:lnR w="12700" cap="flat" cmpd="sng" algn="ctr">
+                      <a:solidFill>
+                        <a:srgbClr val="000000"/>
+                      </a:solidFill>
+                      <a:prstDash val="solid"/>
+                      <a:round/>
+                      <a:headEnd type="none" w="med" len="med"/>
+                      <a:tailEnd type="none" w="med" len="med"/>
+                    </a:lnR>
+                    <a:lnT w="12700" cap="flat" cmpd="sng" algn="ctr">
+                      <a:solidFill>
+                        <a:srgbClr val="000000"/>
+                      </a:solidFill>
+                      <a:prstDash val="solid"/>
+                      <a:round/>
+                      <a:headEnd type="none" w="med" len="med"/>
+                      <a:tailEnd type="none" w="med" len="med"/>
+                    </a:lnT>
+                    <a:lnB w="12700" cap="flat" cmpd="sng" algn="ctr">
+                      <a:solidFill>
+                        <a:srgbClr val="000000"/>
+                      </a:solidFill>
+                      <a:prstDash val="solid"/>
+                      <a:round/>
+                      <a:headEnd type="none" w="med" len="med"/>
+                      <a:tailEnd type="none" w="med" len="med"/>
+                    </a:lnB>
+                  </a:tcPr>
+                </a:tc>
+                <a:extLst>
+                  <a:ext uri="{0D108BD9-81ED-4DB2-BD59-A6C34878D82A}">
+                    <a16:rowId xmlns:a16="http://schemas.microsoft.com/office/drawing/2014/main" val="2522578920"/>
+                  </a:ext>
+                </a:extLst>
+              </a:tr>
+              <a:tr h="233281">
+                <a:tc>
+                  <a:txBody>
+                    <a:bodyPr/>
+                    <a:lstStyle/>
+                    <a:p>
+                      <a:pPr algn="ctr" rtl="0" fontAlgn="t">
+                        <a:spcBef>
+                          <a:spcPts val="0"/>
+                        </a:spcBef>
+                        <a:spcAft>
+                          <a:spcPts val="0"/>
+                        </a:spcAft>
+                      </a:pPr>
+                      <a:r>
+                        <a:rPr lang="de-DE" sz="1400" b="0" i="0" u="none" strike="noStrike">
+                          <a:solidFill>
+                            <a:srgbClr val="000000"/>
+                          </a:solidFill>
+                          <a:effectLst/>
+                          <a:latin typeface="Times New Roman" panose="02020603050405020304" pitchFamily="18" charset="0"/>
+                        </a:rPr>
+                        <a:t>Both_Layers_Add</a:t>
+                      </a:r>
+                      <a:endParaRPr lang="de-DE">
+                        <a:effectLst/>
+                      </a:endParaRPr>
+                    </a:p>
+                  </a:txBody>
+                  <a:tcPr marL="63500" marR="63500" marT="63500" marB="63500">
+                    <a:lnL w="12700" cap="flat" cmpd="sng" algn="ctr">
+                      <a:solidFill>
+                        <a:srgbClr val="000000"/>
+                      </a:solidFill>
+                      <a:prstDash val="solid"/>
+                      <a:round/>
+                      <a:headEnd type="none" w="med" len="med"/>
+                      <a:tailEnd type="none" w="med" len="med"/>
+                    </a:lnL>
+                    <a:lnR w="12700" cap="flat" cmpd="sng" algn="ctr">
+                      <a:solidFill>
+                        <a:srgbClr val="000000"/>
+                      </a:solidFill>
+                      <a:prstDash val="solid"/>
+                      <a:round/>
+                      <a:headEnd type="none" w="med" len="med"/>
+                      <a:tailEnd type="none" w="med" len="med"/>
+                    </a:lnR>
+                    <a:lnT w="12700" cap="flat" cmpd="sng" algn="ctr">
+                      <a:solidFill>
+                        <a:srgbClr val="000000"/>
+                      </a:solidFill>
+                      <a:prstDash val="solid"/>
+                      <a:round/>
+                      <a:headEnd type="none" w="med" len="med"/>
+                      <a:tailEnd type="none" w="med" len="med"/>
+                    </a:lnT>
+                    <a:lnB w="12700" cap="flat" cmpd="sng" algn="ctr">
+                      <a:solidFill>
+                        <a:srgbClr val="000000"/>
+                      </a:solidFill>
+                      <a:prstDash val="solid"/>
+                      <a:round/>
+                      <a:headEnd type="none" w="med" len="med"/>
+                      <a:tailEnd type="none" w="med" len="med"/>
+                    </a:lnB>
+                  </a:tcPr>
+                </a:tc>
+                <a:tc>
+                  <a:txBody>
+                    <a:bodyPr/>
+                    <a:lstStyle/>
+                    <a:p>
+                      <a:pPr algn="ctr" rtl="0" fontAlgn="t">
+                        <a:spcBef>
+                          <a:spcPts val="0"/>
+                        </a:spcBef>
+                        <a:spcAft>
+                          <a:spcPts val="0"/>
+                        </a:spcAft>
+                      </a:pPr>
+                      <a:r>
+                        <a:rPr lang="de-DE" sz="1400" b="0" i="0" u="none" strike="noStrike">
+                          <a:solidFill>
+                            <a:srgbClr val="000000"/>
+                          </a:solidFill>
+                          <a:effectLst/>
+                          <a:latin typeface="Times New Roman" panose="02020603050405020304" pitchFamily="18" charset="0"/>
+                        </a:rPr>
+                        <a:t>0.812</a:t>
+                      </a:r>
+                      <a:endParaRPr lang="de-DE">
+                        <a:effectLst/>
+                      </a:endParaRPr>
+                    </a:p>
+                  </a:txBody>
+                  <a:tcPr marL="63500" marR="63500" marT="63500" marB="63500">
+                    <a:lnL w="12700" cap="flat" cmpd="sng" algn="ctr">
+                      <a:solidFill>
+                        <a:srgbClr val="000000"/>
+                      </a:solidFill>
+                      <a:prstDash val="solid"/>
+                      <a:round/>
+                      <a:headEnd type="none" w="med" len="med"/>
+                      <a:tailEnd type="none" w="med" len="med"/>
+                    </a:lnL>
+                    <a:lnR w="12700" cap="flat" cmpd="sng" algn="ctr">
+                      <a:solidFill>
+                        <a:srgbClr val="000000"/>
+                      </a:solidFill>
+                      <a:prstDash val="solid"/>
+                      <a:round/>
+                      <a:headEnd type="none" w="med" len="med"/>
+                      <a:tailEnd type="none" w="med" len="med"/>
+                    </a:lnR>
+                    <a:lnT w="12700" cap="flat" cmpd="sng" algn="ctr">
+                      <a:solidFill>
+                        <a:srgbClr val="000000"/>
+                      </a:solidFill>
+                      <a:prstDash val="solid"/>
+                      <a:round/>
+                      <a:headEnd type="none" w="med" len="med"/>
+                      <a:tailEnd type="none" w="med" len="med"/>
+                    </a:lnT>
+                    <a:lnB w="12700" cap="flat" cmpd="sng" algn="ctr">
+                      <a:solidFill>
+                        <a:srgbClr val="000000"/>
+                      </a:solidFill>
+                      <a:prstDash val="solid"/>
+                      <a:round/>
+                      <a:headEnd type="none" w="med" len="med"/>
+                      <a:tailEnd type="none" w="med" len="med"/>
+                    </a:lnB>
+                  </a:tcPr>
+                </a:tc>
+                <a:tc>
+                  <a:txBody>
+                    <a:bodyPr/>
+                    <a:lstStyle/>
+                    <a:p>
+                      <a:pPr algn="ctr" rtl="0" fontAlgn="t">
+                        <a:spcBef>
+                          <a:spcPts val="0"/>
+                        </a:spcBef>
+                        <a:spcAft>
+                          <a:spcPts val="0"/>
+                        </a:spcAft>
+                      </a:pPr>
+                      <a:r>
+                        <a:rPr lang="de-DE" sz="1400" b="0" i="0" u="none" strike="noStrike">
+                          <a:solidFill>
+                            <a:srgbClr val="000000"/>
+                          </a:solidFill>
+                          <a:effectLst/>
+                          <a:latin typeface="Times New Roman" panose="02020603050405020304" pitchFamily="18" charset="0"/>
+                        </a:rPr>
+                        <a:t>0.827</a:t>
+                      </a:r>
+                      <a:endParaRPr lang="de-DE">
+                        <a:effectLst/>
+                      </a:endParaRPr>
+                    </a:p>
+                  </a:txBody>
+                  <a:tcPr marL="63500" marR="63500" marT="63500" marB="63500">
+                    <a:lnL w="12700" cap="flat" cmpd="sng" algn="ctr">
+                      <a:solidFill>
+                        <a:srgbClr val="000000"/>
+                      </a:solidFill>
+                      <a:prstDash val="solid"/>
+                      <a:round/>
+                      <a:headEnd type="none" w="med" len="med"/>
+                      <a:tailEnd type="none" w="med" len="med"/>
+                    </a:lnL>
+                    <a:lnR w="12700" cap="flat" cmpd="sng" algn="ctr">
+                      <a:solidFill>
+                        <a:srgbClr val="000000"/>
+                      </a:solidFill>
+                      <a:prstDash val="solid"/>
+                      <a:round/>
+                      <a:headEnd type="none" w="med" len="med"/>
+                      <a:tailEnd type="none" w="med" len="med"/>
+                    </a:lnR>
+                    <a:lnT w="12700" cap="flat" cmpd="sng" algn="ctr">
+                      <a:solidFill>
+                        <a:srgbClr val="000000"/>
+                      </a:solidFill>
+                      <a:prstDash val="solid"/>
+                      <a:round/>
+                      <a:headEnd type="none" w="med" len="med"/>
+                      <a:tailEnd type="none" w="med" len="med"/>
+                    </a:lnT>
+                    <a:lnB w="12700" cap="flat" cmpd="sng" algn="ctr">
+                      <a:solidFill>
+                        <a:srgbClr val="000000"/>
+                      </a:solidFill>
+                      <a:prstDash val="solid"/>
+                      <a:round/>
+                      <a:headEnd type="none" w="med" len="med"/>
+                      <a:tailEnd type="none" w="med" len="med"/>
+                    </a:lnB>
+                  </a:tcPr>
+                </a:tc>
+                <a:tc>
+                  <a:txBody>
+                    <a:bodyPr/>
+                    <a:lstStyle/>
+                    <a:p>
+                      <a:pPr algn="ctr" rtl="0" fontAlgn="t">
+                        <a:spcBef>
+                          <a:spcPts val="0"/>
+                        </a:spcBef>
+                        <a:spcAft>
+                          <a:spcPts val="0"/>
+                        </a:spcAft>
+                      </a:pPr>
+                      <a:r>
+                        <a:rPr lang="de-DE" sz="1400" b="0" i="0" u="none" strike="noStrike">
+                          <a:solidFill>
+                            <a:srgbClr val="000000"/>
+                          </a:solidFill>
+                          <a:effectLst/>
+                          <a:latin typeface="Times New Roman" panose="02020603050405020304" pitchFamily="18" charset="0"/>
+                        </a:rPr>
+                        <a:t>0.008</a:t>
+                      </a:r>
+                      <a:endParaRPr lang="de-DE">
+                        <a:effectLst/>
+                      </a:endParaRPr>
+                    </a:p>
+                  </a:txBody>
+                  <a:tcPr marL="63500" marR="63500" marT="63500" marB="63500">
+                    <a:lnL w="12700" cap="flat" cmpd="sng" algn="ctr">
+                      <a:solidFill>
+                        <a:srgbClr val="000000"/>
+                      </a:solidFill>
+                      <a:prstDash val="solid"/>
+                      <a:round/>
+                      <a:headEnd type="none" w="med" len="med"/>
+                      <a:tailEnd type="none" w="med" len="med"/>
+                    </a:lnL>
+                    <a:lnR w="12700" cap="flat" cmpd="sng" algn="ctr">
+                      <a:solidFill>
+                        <a:srgbClr val="000000"/>
+                      </a:solidFill>
+                      <a:prstDash val="solid"/>
+                      <a:round/>
+                      <a:headEnd type="none" w="med" len="med"/>
+                      <a:tailEnd type="none" w="med" len="med"/>
+                    </a:lnR>
+                    <a:lnT w="12700" cap="flat" cmpd="sng" algn="ctr">
+                      <a:solidFill>
+                        <a:srgbClr val="000000"/>
+                      </a:solidFill>
+                      <a:prstDash val="solid"/>
+                      <a:round/>
+                      <a:headEnd type="none" w="med" len="med"/>
+                      <a:tailEnd type="none" w="med" len="med"/>
+                    </a:lnT>
+                    <a:lnB w="12700" cap="flat" cmpd="sng" algn="ctr">
+                      <a:solidFill>
+                        <a:srgbClr val="000000"/>
+                      </a:solidFill>
+                      <a:prstDash val="solid"/>
+                      <a:round/>
+                      <a:headEnd type="none" w="med" len="med"/>
+                      <a:tailEnd type="none" w="med" len="med"/>
+                    </a:lnB>
+                  </a:tcPr>
+                </a:tc>
+                <a:extLst>
+                  <a:ext uri="{0D108BD9-81ED-4DB2-BD59-A6C34878D82A}">
+                    <a16:rowId xmlns:a16="http://schemas.microsoft.com/office/drawing/2014/main" val="1608711979"/>
+                  </a:ext>
+                </a:extLst>
+              </a:tr>
+              <a:tr h="233281">
+                <a:tc>
+                  <a:txBody>
+                    <a:bodyPr/>
+                    <a:lstStyle/>
+                    <a:p>
+                      <a:pPr algn="ctr" rtl="0" fontAlgn="t">
+                        <a:spcBef>
+                          <a:spcPts val="0"/>
+                        </a:spcBef>
+                        <a:spcAft>
+                          <a:spcPts val="0"/>
+                        </a:spcAft>
+                      </a:pPr>
+                      <a:r>
+                        <a:rPr lang="de-DE" sz="1400" b="0" i="0" u="none" strike="noStrike">
+                          <a:solidFill>
+                            <a:srgbClr val="000000"/>
+                          </a:solidFill>
+                          <a:effectLst/>
+                          <a:latin typeface="Times New Roman" panose="02020603050405020304" pitchFamily="18" charset="0"/>
+                        </a:rPr>
+                        <a:t>Both_Layers_Both</a:t>
+                      </a:r>
+                      <a:endParaRPr lang="de-DE">
+                        <a:effectLst/>
+                      </a:endParaRPr>
+                    </a:p>
+                  </a:txBody>
+                  <a:tcPr marL="63500" marR="63500" marT="63500" marB="63500">
+                    <a:lnL w="12700" cap="flat" cmpd="sng" algn="ctr">
+                      <a:solidFill>
+                        <a:srgbClr val="000000"/>
+                      </a:solidFill>
+                      <a:prstDash val="solid"/>
+                      <a:round/>
+                      <a:headEnd type="none" w="med" len="med"/>
+                      <a:tailEnd type="none" w="med" len="med"/>
+                    </a:lnL>
+                    <a:lnR w="12700" cap="flat" cmpd="sng" algn="ctr">
+                      <a:solidFill>
+                        <a:srgbClr val="000000"/>
+                      </a:solidFill>
+                      <a:prstDash val="solid"/>
+                      <a:round/>
+                      <a:headEnd type="none" w="med" len="med"/>
+                      <a:tailEnd type="none" w="med" len="med"/>
+                    </a:lnR>
+                    <a:lnT w="12700" cap="flat" cmpd="sng" algn="ctr">
+                      <a:solidFill>
+                        <a:srgbClr val="000000"/>
+                      </a:solidFill>
+                      <a:prstDash val="solid"/>
+                      <a:round/>
+                      <a:headEnd type="none" w="med" len="med"/>
+                      <a:tailEnd type="none" w="med" len="med"/>
+                    </a:lnT>
+                    <a:lnB w="12700" cap="flat" cmpd="sng" algn="ctr">
+                      <a:solidFill>
+                        <a:srgbClr val="000000"/>
+                      </a:solidFill>
+                      <a:prstDash val="solid"/>
+                      <a:round/>
+                      <a:headEnd type="none" w="med" len="med"/>
+                      <a:tailEnd type="none" w="med" len="med"/>
+                    </a:lnB>
+                  </a:tcPr>
+                </a:tc>
+                <a:tc>
+                  <a:txBody>
+                    <a:bodyPr/>
+                    <a:lstStyle/>
+                    <a:p>
+                      <a:pPr algn="ctr" rtl="0" fontAlgn="t">
+                        <a:spcBef>
+                          <a:spcPts val="0"/>
+                        </a:spcBef>
+                        <a:spcAft>
+                          <a:spcPts val="0"/>
+                        </a:spcAft>
+                      </a:pPr>
+                      <a:r>
+                        <a:rPr lang="de-DE" sz="1400" b="0" i="0" u="none" strike="noStrike">
+                          <a:solidFill>
+                            <a:srgbClr val="000000"/>
+                          </a:solidFill>
+                          <a:effectLst/>
+                          <a:latin typeface="Times New Roman" panose="02020603050405020304" pitchFamily="18" charset="0"/>
+                        </a:rPr>
+                        <a:t>0.818</a:t>
+                      </a:r>
+                      <a:endParaRPr lang="de-DE">
+                        <a:effectLst/>
+                      </a:endParaRPr>
+                    </a:p>
+                  </a:txBody>
+                  <a:tcPr marL="63500" marR="63500" marT="63500" marB="63500">
+                    <a:lnL w="12700" cap="flat" cmpd="sng" algn="ctr">
+                      <a:solidFill>
+                        <a:srgbClr val="000000"/>
+                      </a:solidFill>
+                      <a:prstDash val="solid"/>
+                      <a:round/>
+                      <a:headEnd type="none" w="med" len="med"/>
+                      <a:tailEnd type="none" w="med" len="med"/>
+                    </a:lnL>
+                    <a:lnR w="12700" cap="flat" cmpd="sng" algn="ctr">
+                      <a:solidFill>
+                        <a:srgbClr val="000000"/>
+                      </a:solidFill>
+                      <a:prstDash val="solid"/>
+                      <a:round/>
+                      <a:headEnd type="none" w="med" len="med"/>
+                      <a:tailEnd type="none" w="med" len="med"/>
+                    </a:lnR>
+                    <a:lnT w="12700" cap="flat" cmpd="sng" algn="ctr">
+                      <a:solidFill>
+                        <a:srgbClr val="000000"/>
+                      </a:solidFill>
+                      <a:prstDash val="solid"/>
+                      <a:round/>
+                      <a:headEnd type="none" w="med" len="med"/>
+                      <a:tailEnd type="none" w="med" len="med"/>
+                    </a:lnT>
+                    <a:lnB w="12700" cap="flat" cmpd="sng" algn="ctr">
+                      <a:solidFill>
+                        <a:srgbClr val="000000"/>
+                      </a:solidFill>
+                      <a:prstDash val="solid"/>
+                      <a:round/>
+                      <a:headEnd type="none" w="med" len="med"/>
+                      <a:tailEnd type="none" w="med" len="med"/>
+                    </a:lnB>
+                  </a:tcPr>
+                </a:tc>
+                <a:tc>
+                  <a:txBody>
+                    <a:bodyPr/>
+                    <a:lstStyle/>
+                    <a:p>
+                      <a:pPr algn="ctr" rtl="0" fontAlgn="t">
+                        <a:spcBef>
+                          <a:spcPts val="0"/>
+                        </a:spcBef>
+                        <a:spcAft>
+                          <a:spcPts val="0"/>
+                        </a:spcAft>
+                      </a:pPr>
+                      <a:r>
+                        <a:rPr lang="de-DE" sz="1400" b="0" i="0" u="none" strike="noStrike">
+                          <a:solidFill>
+                            <a:srgbClr val="000000"/>
+                          </a:solidFill>
+                          <a:effectLst/>
+                          <a:latin typeface="Times New Roman" panose="02020603050405020304" pitchFamily="18" charset="0"/>
+                        </a:rPr>
+                        <a:t>0.831</a:t>
+                      </a:r>
+                      <a:endParaRPr lang="de-DE">
+                        <a:effectLst/>
+                      </a:endParaRPr>
+                    </a:p>
+                  </a:txBody>
+                  <a:tcPr marL="63500" marR="63500" marT="63500" marB="63500">
+                    <a:lnL w="12700" cap="flat" cmpd="sng" algn="ctr">
+                      <a:solidFill>
+                        <a:srgbClr val="000000"/>
+                      </a:solidFill>
+                      <a:prstDash val="solid"/>
+                      <a:round/>
+                      <a:headEnd type="none" w="med" len="med"/>
+                      <a:tailEnd type="none" w="med" len="med"/>
+                    </a:lnL>
+                    <a:lnR w="12700" cap="flat" cmpd="sng" algn="ctr">
+                      <a:solidFill>
+                        <a:srgbClr val="000000"/>
+                      </a:solidFill>
+                      <a:prstDash val="solid"/>
+                      <a:round/>
+                      <a:headEnd type="none" w="med" len="med"/>
+                      <a:tailEnd type="none" w="med" len="med"/>
+                    </a:lnR>
+                    <a:lnT w="12700" cap="flat" cmpd="sng" algn="ctr">
+                      <a:solidFill>
+                        <a:srgbClr val="000000"/>
+                      </a:solidFill>
+                      <a:prstDash val="solid"/>
+                      <a:round/>
+                      <a:headEnd type="none" w="med" len="med"/>
+                      <a:tailEnd type="none" w="med" len="med"/>
+                    </a:lnT>
+                    <a:lnB w="12700" cap="flat" cmpd="sng" algn="ctr">
+                      <a:solidFill>
+                        <a:srgbClr val="000000"/>
+                      </a:solidFill>
+                      <a:prstDash val="solid"/>
+                      <a:round/>
+                      <a:headEnd type="none" w="med" len="med"/>
+                      <a:tailEnd type="none" w="med" len="med"/>
+                    </a:lnB>
+                  </a:tcPr>
+                </a:tc>
+                <a:tc>
+                  <a:txBody>
+                    <a:bodyPr/>
+                    <a:lstStyle/>
+                    <a:p>
+                      <a:pPr algn="ctr" rtl="0" fontAlgn="t">
+                        <a:spcBef>
+                          <a:spcPts val="0"/>
+                        </a:spcBef>
+                        <a:spcAft>
+                          <a:spcPts val="0"/>
+                        </a:spcAft>
+                      </a:pPr>
+                      <a:r>
+                        <a:rPr lang="de-DE" sz="1400" b="0" i="0" u="none" strike="noStrike" dirty="0">
+                          <a:solidFill>
+                            <a:srgbClr val="000000"/>
+                          </a:solidFill>
+                          <a:effectLst/>
+                          <a:latin typeface="Times New Roman" panose="02020603050405020304" pitchFamily="18" charset="0"/>
+                        </a:rPr>
+                        <a:t>0.01</a:t>
+                      </a:r>
+                      <a:endParaRPr lang="de-DE" dirty="0">
+                        <a:effectLst/>
+                      </a:endParaRPr>
+                    </a:p>
+                  </a:txBody>
+                  <a:tcPr marL="63500" marR="63500" marT="63500" marB="63500">
+                    <a:lnL w="12700" cap="flat" cmpd="sng" algn="ctr">
+                      <a:solidFill>
+                        <a:srgbClr val="000000"/>
+                      </a:solidFill>
+                      <a:prstDash val="solid"/>
+                      <a:round/>
+                      <a:headEnd type="none" w="med" len="med"/>
+                      <a:tailEnd type="none" w="med" len="med"/>
+                    </a:lnL>
+                    <a:lnR w="12700" cap="flat" cmpd="sng" algn="ctr">
+                      <a:solidFill>
+                        <a:srgbClr val="000000"/>
+                      </a:solidFill>
+                      <a:prstDash val="solid"/>
+                      <a:round/>
+                      <a:headEnd type="none" w="med" len="med"/>
+                      <a:tailEnd type="none" w="med" len="med"/>
+                    </a:lnR>
+                    <a:lnT w="12700" cap="flat" cmpd="sng" algn="ctr">
+                      <a:solidFill>
+                        <a:srgbClr val="000000"/>
+                      </a:solidFill>
+                      <a:prstDash val="solid"/>
+                      <a:round/>
+                      <a:headEnd type="none" w="med" len="med"/>
+                      <a:tailEnd type="none" w="med" len="med"/>
+                    </a:lnT>
+                    <a:lnB w="12700" cap="flat" cmpd="sng" algn="ctr">
+                      <a:solidFill>
+                        <a:srgbClr val="000000"/>
+                      </a:solidFill>
+                      <a:prstDash val="solid"/>
+                      <a:round/>
+                      <a:headEnd type="none" w="med" len="med"/>
+                      <a:tailEnd type="none" w="med" len="med"/>
+                    </a:lnB>
+                  </a:tcPr>
+                </a:tc>
+                <a:extLst>
+                  <a:ext uri="{0D108BD9-81ED-4DB2-BD59-A6C34878D82A}">
+                    <a16:rowId xmlns:a16="http://schemas.microsoft.com/office/drawing/2014/main" val="1193229355"/>
+                  </a:ext>
+                </a:extLst>
+              </a:tr>
+            </a:tbl>
+          </a:graphicData>
+        </a:graphic>
+      </p:graphicFrame>
+      <p:sp>
+        <p:nvSpPr>
+          <p:cNvPr id="4" name="Rectangle 1">
+            <a:extLst>
+              <a:ext uri="{FF2B5EF4-FFF2-40B4-BE49-F238E27FC236}">
+                <a16:creationId xmlns:a16="http://schemas.microsoft.com/office/drawing/2014/main" id="{4AA2F1F7-9716-BEA6-202D-113B610072D4}"/>
+              </a:ext>
+            </a:extLst>
+          </p:cNvPr>
+          <p:cNvSpPr>
+            <a:spLocks noChangeArrowheads="1"/>
+          </p:cNvSpPr>
+          <p:nvPr/>
+        </p:nvSpPr>
+        <p:spPr bwMode="auto">
+          <a:xfrm>
+            <a:off x="3728620" y="2356875"/>
+            <a:ext cx="11704438" cy="1400383"/>
+          </a:xfrm>
+          <a:prstGeom prst="rect">
+            <a:avLst/>
+          </a:prstGeom>
+          <a:noFill/>
+          <a:ln>
+            <a:noFill/>
+          </a:ln>
+          <a:effectLst/>
+          <a:extLst>
+            <a:ext uri="{909E8E84-426E-40DD-AFC4-6F175D3DCCD1}">
+              <a14:hiddenFill xmlns:a14="http://schemas.microsoft.com/office/drawing/2010/main">
+                <a:solidFill>
+                  <a:schemeClr val="accent1"/>
+                </a:solidFill>
+              </a14:hiddenFill>
+            </a:ext>
+            <a:ext uri="{91240B29-F687-4F45-9708-019B960494DF}">
+              <a14:hiddenLine xmlns:a14="http://schemas.microsoft.com/office/drawing/2010/main" w="9525">
+                <a:solidFill>
+                  <a:schemeClr val="tx1"/>
+                </a:solidFill>
+                <a:miter lim="800000"/>
+                <a:headEnd/>
+                <a:tailEnd/>
+              </a14:hiddenLine>
+            </a:ext>
+            <a:ext uri="{AF507438-7753-43E0-B8FC-AC1667EBCBE1}">
+              <a14:hiddenEffects xmlns:a14="http://schemas.microsoft.com/office/drawing/2010/main">
+                <a:effectLst>
+                  <a:outerShdw dist="35921" dir="2700000" algn="ctr" rotWithShape="0">
+                    <a:schemeClr val="bg2"/>
+                  </a:outerShdw>
+                </a:effectLst>
+              </a14:hiddenEffects>
+            </a:ext>
+          </a:extLst>
+        </p:spPr>
+        <p:txBody>
+          <a:bodyPr vert="horz" wrap="square" lIns="91440" tIns="45720" rIns="91440" bIns="45720" numCol="1" anchor="ctr" anchorCtr="0" compatLnSpc="1">
+            <a:prstTxWarp prst="textNoShape">
+              <a:avLst/>
+            </a:prstTxWarp>
+            <a:spAutoFit/>
+          </a:bodyPr>
+          <a:lstStyle/>
+          <a:p>
+            <a:pPr marL="0" marR="0" lvl="0" indent="0" algn="l" defTabSz="914400" rtl="0" eaLnBrk="0" fontAlgn="base" latinLnBrk="0" hangingPunct="0">
+              <a:lnSpc>
+                <a:spcPct val="100000"/>
+              </a:lnSpc>
+              <a:spcBef>
+                <a:spcPct val="0"/>
+              </a:spcBef>
+              <a:spcAft>
+                <a:spcPct val="0"/>
+              </a:spcAft>
+              <a:buClrTx/>
+              <a:buSzTx/>
+              <a:buFontTx/>
+              <a:buNone/>
+              <a:tabLst/>
+            </a:pPr>
+            <a:r>
+              <a:rPr kumimoji="0" lang="de-DE" altLang="de-DE" sz="1300" b="0" i="0" u="none" strike="noStrike" cap="none" normalizeH="0" baseline="0" dirty="0" err="1">
+                <a:ln>
+                  <a:noFill/>
+                </a:ln>
+                <a:solidFill>
+                  <a:srgbClr val="000000"/>
+                </a:solidFill>
+                <a:effectLst/>
+                <a:latin typeface="Times New Roman" panose="02020603050405020304" pitchFamily="18" charset="0"/>
+                <a:cs typeface="Times New Roman" panose="02020603050405020304" pitchFamily="18" charset="0"/>
+              </a:rPr>
+              <a:t>One</a:t>
+            </a:r>
+            <a:r>
+              <a:rPr kumimoji="0" lang="de-DE" altLang="de-DE" sz="1300" b="0" i="0" u="none" strike="noStrike" cap="none" normalizeH="0" baseline="0" dirty="0">
+                <a:ln>
+                  <a:noFill/>
+                </a:ln>
+                <a:solidFill>
+                  <a:srgbClr val="000000"/>
+                </a:solidFill>
+                <a:effectLst/>
+                <a:latin typeface="Times New Roman" panose="02020603050405020304" pitchFamily="18" charset="0"/>
+                <a:cs typeface="Times New Roman" panose="02020603050405020304" pitchFamily="18" charset="0"/>
+              </a:rPr>
+              <a:t>-Shot </a:t>
+            </a:r>
+            <a:r>
+              <a:rPr kumimoji="0" lang="de-DE" altLang="de-DE" sz="1300" b="0" i="0" u="none" strike="noStrike" cap="none" normalizeH="0" baseline="0" dirty="0" err="1">
+                <a:ln>
+                  <a:noFill/>
+                </a:ln>
+                <a:solidFill>
+                  <a:srgbClr val="000000"/>
+                </a:solidFill>
+                <a:effectLst/>
+                <a:latin typeface="Times New Roman" panose="02020603050405020304" pitchFamily="18" charset="0"/>
+                <a:cs typeface="Times New Roman" panose="02020603050405020304" pitchFamily="18" charset="0"/>
+              </a:rPr>
+              <a:t>Rewiring</a:t>
+            </a:r>
+            <a:r>
+              <a:rPr kumimoji="0" lang="de-DE" altLang="de-DE" sz="1300" b="0" i="0" u="none" strike="noStrike" cap="none" normalizeH="0" baseline="0" dirty="0">
+                <a:ln>
+                  <a:noFill/>
+                </a:ln>
+                <a:solidFill>
+                  <a:srgbClr val="000000"/>
+                </a:solidFill>
+                <a:effectLst/>
+                <a:latin typeface="Times New Roman" panose="02020603050405020304" pitchFamily="18" charset="0"/>
+                <a:cs typeface="Times New Roman" panose="02020603050405020304" pitchFamily="18" charset="0"/>
+              </a:rPr>
+              <a:t>-</a:t>
+            </a:r>
+            <a:endParaRPr kumimoji="0" lang="de-DE" altLang="de-DE" sz="800" b="0" i="0" u="none" strike="noStrike" cap="none" normalizeH="0" baseline="0" dirty="0">
+              <a:ln>
+                <a:noFill/>
+              </a:ln>
+              <a:solidFill>
+                <a:schemeClr val="tx1"/>
+              </a:solidFill>
+              <a:effectLst/>
+            </a:endParaRPr>
+          </a:p>
+          <a:p>
+            <a:pPr marL="0" marR="0" lvl="0" indent="0" algn="l" defTabSz="914400" rtl="0" eaLnBrk="0" fontAlgn="base" latinLnBrk="0" hangingPunct="0">
+              <a:lnSpc>
+                <a:spcPct val="100000"/>
+              </a:lnSpc>
+              <a:spcBef>
+                <a:spcPct val="0"/>
+              </a:spcBef>
+              <a:spcAft>
+                <a:spcPct val="0"/>
+              </a:spcAft>
+              <a:buClrTx/>
+              <a:buSzTx/>
+              <a:buFontTx/>
+              <a:buNone/>
+              <a:tabLst/>
+            </a:pPr>
+            <a:br>
+              <a:rPr kumimoji="0" lang="de-DE" altLang="de-DE" sz="1800" b="0" i="0" u="none" strike="noStrike" cap="none" normalizeH="0" baseline="0" dirty="0">
+                <a:ln>
+                  <a:noFill/>
+                </a:ln>
+                <a:solidFill>
+                  <a:schemeClr val="tx1"/>
+                </a:solidFill>
+                <a:effectLst/>
+                <a:latin typeface="Arial" panose="020B0604020202020204" pitchFamily="34" charset="0"/>
+              </a:rPr>
+            </a:br>
+            <a:br>
+              <a:rPr kumimoji="0" lang="de-DE" altLang="de-DE" sz="1800" b="0" i="0" u="none" strike="noStrike" cap="none" normalizeH="0" baseline="0" dirty="0">
+                <a:ln>
+                  <a:noFill/>
+                </a:ln>
+                <a:solidFill>
+                  <a:schemeClr val="tx1"/>
+                </a:solidFill>
+                <a:effectLst/>
+                <a:latin typeface="Arial" panose="020B0604020202020204" pitchFamily="34" charset="0"/>
+              </a:rPr>
+            </a:br>
+            <a:endParaRPr kumimoji="0" lang="de-DE" altLang="de-DE" sz="1800" b="0" i="0" u="none" strike="noStrike" cap="none" normalizeH="0" baseline="0" dirty="0">
+              <a:ln>
+                <a:noFill/>
+              </a:ln>
+              <a:solidFill>
+                <a:schemeClr val="tx1"/>
+              </a:solidFill>
+              <a:effectLst/>
+              <a:latin typeface="Arial" panose="020B0604020202020204" pitchFamily="34" charset="0"/>
+            </a:endParaRPr>
+          </a:p>
+          <a:p>
+            <a:pPr marL="0" marR="0" lvl="0" indent="0" algn="l" defTabSz="914400" rtl="0" eaLnBrk="0" fontAlgn="base" latinLnBrk="0" hangingPunct="0">
+              <a:lnSpc>
+                <a:spcPct val="100000"/>
+              </a:lnSpc>
+              <a:spcBef>
+                <a:spcPct val="0"/>
+              </a:spcBef>
+              <a:spcAft>
+                <a:spcPct val="0"/>
+              </a:spcAft>
+              <a:buClrTx/>
+              <a:buSzTx/>
+              <a:buFontTx/>
+              <a:buNone/>
+              <a:tabLst/>
+            </a:pPr>
+            <a:endParaRPr kumimoji="0" lang="de-DE" altLang="de-DE" sz="1800" b="0" i="0" u="none" strike="noStrike" cap="none" normalizeH="0" baseline="0" dirty="0">
+              <a:ln>
+                <a:noFill/>
+              </a:ln>
+              <a:solidFill>
+                <a:schemeClr val="tx1"/>
+              </a:solidFill>
+              <a:effectLst/>
+              <a:latin typeface="Arial" panose="020B0604020202020204" pitchFamily="34" charset="0"/>
+            </a:endParaRPr>
+          </a:p>
+        </p:txBody>
+      </p:sp>
+      <p:sp>
+        <p:nvSpPr>
+          <p:cNvPr id="8" name="TextBox 7">
+            <a:extLst>
+              <a:ext uri="{FF2B5EF4-FFF2-40B4-BE49-F238E27FC236}">
+                <a16:creationId xmlns:a16="http://schemas.microsoft.com/office/drawing/2014/main" id="{4794304E-9B41-4315-0745-0B8592793EAF}"/>
+              </a:ext>
+            </a:extLst>
+          </p:cNvPr>
+          <p:cNvSpPr txBox="1"/>
+          <p:nvPr/>
+        </p:nvSpPr>
+        <p:spPr>
+          <a:xfrm>
+            <a:off x="8767016" y="2395761"/>
+            <a:ext cx="7921782" cy="738664"/>
+          </a:xfrm>
+          <a:prstGeom prst="rect">
+            <a:avLst/>
+          </a:prstGeom>
+          <a:noFill/>
+        </p:spPr>
+        <p:txBody>
+          <a:bodyPr wrap="square">
+            <a:spAutoFit/>
+          </a:bodyPr>
+          <a:lstStyle/>
+          <a:p>
+            <a:pPr rtl="0">
+              <a:spcBef>
+                <a:spcPts val="0"/>
+              </a:spcBef>
+              <a:spcAft>
+                <a:spcPts val="0"/>
+              </a:spcAft>
+            </a:pPr>
+            <a:r>
+              <a:rPr lang="de-DE" sz="1400" b="0" i="0" u="none" strike="noStrike" dirty="0">
+                <a:solidFill>
+                  <a:srgbClr val="000000"/>
+                </a:solidFill>
+                <a:effectLst/>
+                <a:latin typeface="Times New Roman" panose="02020603050405020304" pitchFamily="18" charset="0"/>
+              </a:rPr>
+              <a:t>Iterative </a:t>
+            </a:r>
+            <a:r>
+              <a:rPr lang="de-DE" sz="1400" b="0" i="0" u="none" strike="noStrike" dirty="0" err="1">
+                <a:solidFill>
+                  <a:srgbClr val="000000"/>
+                </a:solidFill>
+                <a:effectLst/>
+                <a:latin typeface="Times New Roman" panose="02020603050405020304" pitchFamily="18" charset="0"/>
+              </a:rPr>
+              <a:t>Rewiring</a:t>
+            </a:r>
+            <a:r>
+              <a:rPr lang="de-DE" sz="1400" b="0" i="0" u="none" strike="noStrike" dirty="0">
+                <a:solidFill>
+                  <a:srgbClr val="000000"/>
+                </a:solidFill>
+                <a:effectLst/>
+                <a:latin typeface="Times New Roman" panose="02020603050405020304" pitchFamily="18" charset="0"/>
+              </a:rPr>
+              <a:t>-</a:t>
+            </a:r>
+            <a:endParaRPr lang="de-DE" b="0" dirty="0">
+              <a:effectLst/>
+            </a:endParaRPr>
+          </a:p>
+          <a:p>
+            <a:br>
+              <a:rPr lang="de-DE" dirty="0"/>
+            </a:br>
+            <a:endParaRPr lang="de-DE" dirty="0"/>
           </a:p>
         </p:txBody>
       </p:sp>
